--- a/Portfolio_MAIER.pptx
+++ b/Portfolio_MAIER.pptx
@@ -6,12 +6,13 @@
   </p:sldMasterIdLst>
   <p:sldIdLst>
     <p:sldId id="256" r:id="rId2"/>
-    <p:sldId id="260" r:id="rId3"/>
-    <p:sldId id="262" r:id="rId4"/>
-    <p:sldId id="258" r:id="rId5"/>
-    <p:sldId id="259" r:id="rId6"/>
-    <p:sldId id="263" r:id="rId7"/>
-    <p:sldId id="261" r:id="rId8"/>
+    <p:sldId id="264" r:id="rId3"/>
+    <p:sldId id="260" r:id="rId4"/>
+    <p:sldId id="262" r:id="rId5"/>
+    <p:sldId id="258" r:id="rId6"/>
+    <p:sldId id="259" r:id="rId7"/>
+    <p:sldId id="263" r:id="rId8"/>
+    <p:sldId id="261" r:id="rId9"/>
   </p:sldIdLst>
   <p:sldSz cx="12192000" cy="6858000"/>
   <p:notesSz cx="6858000" cy="9144000"/>
@@ -131,7 +132,7 @@
   <pc:docChgLst>
     <pc:chgData name="Jonas Maier" userId="93e6c5b8e51a296e" providerId="LiveId" clId="{474C3FE4-9411-44B4-B64C-03160438E32B}"/>
     <pc:docChg chg="undo redo custSel addSld delSld modSld sldOrd">
-      <pc:chgData name="Jonas Maier" userId="93e6c5b8e51a296e" providerId="LiveId" clId="{474C3FE4-9411-44B4-B64C-03160438E32B}" dt="2024-12-06T07:06:57.534" v="408" actId="1076"/>
+      <pc:chgData name="Jonas Maier" userId="93e6c5b8e51a296e" providerId="LiveId" clId="{474C3FE4-9411-44B4-B64C-03160438E32B}" dt="2024-12-06T07:50:11.433" v="532" actId="313"/>
       <pc:docMkLst>
         <pc:docMk/>
       </pc:docMkLst>
@@ -170,6 +171,21 @@
             <pc:docMk/>
             <pc:sldMk cId="4005005456" sldId="259"/>
             <ac:spMk id="3" creationId="{DDF9FDDA-0BC0-C026-8CC7-6AC751CB8D35}"/>
+          </ac:spMkLst>
+        </pc:spChg>
+      </pc:sldChg>
+      <pc:sldChg chg="modSp mod">
+        <pc:chgData name="Jonas Maier" userId="93e6c5b8e51a296e" providerId="LiveId" clId="{474C3FE4-9411-44B4-B64C-03160438E32B}" dt="2024-12-06T07:50:11.433" v="532" actId="313"/>
+        <pc:sldMkLst>
+          <pc:docMk/>
+          <pc:sldMk cId="3187506266" sldId="260"/>
+        </pc:sldMkLst>
+        <pc:spChg chg="mod">
+          <ac:chgData name="Jonas Maier" userId="93e6c5b8e51a296e" providerId="LiveId" clId="{474C3FE4-9411-44B4-B64C-03160438E32B}" dt="2024-12-06T07:50:11.433" v="532" actId="313"/>
+          <ac:spMkLst>
+            <pc:docMk/>
+            <pc:sldMk cId="3187506266" sldId="260"/>
+            <ac:spMk id="4" creationId="{4116B076-39A8-743E-714B-7B2DAA234E4E}"/>
           </ac:spMkLst>
         </pc:spChg>
       </pc:sldChg>
@@ -530,9 +546,2667 @@
           </ac:spMkLst>
         </pc:spChg>
       </pc:sldChg>
+      <pc:sldChg chg="addSp delSp modSp new mod">
+        <pc:chgData name="Jonas Maier" userId="93e6c5b8e51a296e" providerId="LiveId" clId="{474C3FE4-9411-44B4-B64C-03160438E32B}" dt="2024-12-06T07:48:22.813" v="516" actId="26606"/>
+        <pc:sldMkLst>
+          <pc:docMk/>
+          <pc:sldMk cId="302590323" sldId="264"/>
+        </pc:sldMkLst>
+        <pc:spChg chg="mod">
+          <ac:chgData name="Jonas Maier" userId="93e6c5b8e51a296e" providerId="LiveId" clId="{474C3FE4-9411-44B4-B64C-03160438E32B}" dt="2024-12-06T07:47:23.837" v="422" actId="20577"/>
+          <ac:spMkLst>
+            <pc:docMk/>
+            <pc:sldMk cId="302590323" sldId="264"/>
+            <ac:spMk id="2" creationId="{1C1C42A7-380C-5FC0-4D1F-A46DA3A4BA5B}"/>
+          </ac:spMkLst>
+        </pc:spChg>
+        <pc:spChg chg="del mod">
+          <ac:chgData name="Jonas Maier" userId="93e6c5b8e51a296e" providerId="LiveId" clId="{474C3FE4-9411-44B4-B64C-03160438E32B}" dt="2024-12-06T07:48:04.918" v="515" actId="26606"/>
+          <ac:spMkLst>
+            <pc:docMk/>
+            <pc:sldMk cId="302590323" sldId="264"/>
+            <ac:spMk id="3" creationId="{5F1C909A-AF31-DD9A-CF2E-CAC0914F77A5}"/>
+          </ac:spMkLst>
+        </pc:spChg>
+        <pc:graphicFrameChg chg="add modGraphic">
+          <ac:chgData name="Jonas Maier" userId="93e6c5b8e51a296e" providerId="LiveId" clId="{474C3FE4-9411-44B4-B64C-03160438E32B}" dt="2024-12-06T07:48:22.813" v="516" actId="26606"/>
+          <ac:graphicFrameMkLst>
+            <pc:docMk/>
+            <pc:sldMk cId="302590323" sldId="264"/>
+            <ac:graphicFrameMk id="5" creationId="{045AB428-080F-FB52-7DAB-42D5328CA00C}"/>
+          </ac:graphicFrameMkLst>
+        </pc:graphicFrameChg>
+      </pc:sldChg>
     </pc:docChg>
   </pc:docChgLst>
 </pc:chgInfo>
+</file>
+
+<file path=ppt/diagrams/colors1.xml><?xml version="1.0" encoding="utf-8"?>
+<dgm:colorsDef xmlns:dgm="http://schemas.openxmlformats.org/drawingml/2006/diagram" xmlns:a="http://schemas.openxmlformats.org/drawingml/2006/main" uniqueId="urn:microsoft.com/office/officeart/2005/8/colors/accent1_2">
+  <dgm:title val=""/>
+  <dgm:desc val=""/>
+  <dgm:catLst>
+    <dgm:cat type="accent1" pri="11200"/>
+  </dgm:catLst>
+  <dgm:styleLbl name="node0">
+    <dgm:fillClrLst meth="repeat">
+      <a:schemeClr val="accent1"/>
+    </dgm:fillClrLst>
+    <dgm:linClrLst meth="repeat">
+      <a:schemeClr val="lt1"/>
+    </dgm:linClrLst>
+    <dgm:effectClrLst/>
+    <dgm:txLinClrLst/>
+    <dgm:txFillClrLst/>
+    <dgm:txEffectClrLst/>
+  </dgm:styleLbl>
+  <dgm:styleLbl name="alignNode1">
+    <dgm:fillClrLst meth="repeat">
+      <a:schemeClr val="accent1"/>
+    </dgm:fillClrLst>
+    <dgm:linClrLst meth="repeat">
+      <a:schemeClr val="accent1"/>
+    </dgm:linClrLst>
+    <dgm:effectClrLst/>
+    <dgm:txLinClrLst/>
+    <dgm:txFillClrLst/>
+    <dgm:txEffectClrLst/>
+  </dgm:styleLbl>
+  <dgm:styleLbl name="node1">
+    <dgm:fillClrLst meth="repeat">
+      <a:schemeClr val="accent1"/>
+    </dgm:fillClrLst>
+    <dgm:linClrLst meth="repeat">
+      <a:schemeClr val="lt1"/>
+    </dgm:linClrLst>
+    <dgm:effectClrLst/>
+    <dgm:txLinClrLst/>
+    <dgm:txFillClrLst/>
+    <dgm:txEffectClrLst/>
+  </dgm:styleLbl>
+  <dgm:styleLbl name="lnNode1">
+    <dgm:fillClrLst meth="repeat">
+      <a:schemeClr val="accent1"/>
+    </dgm:fillClrLst>
+    <dgm:linClrLst meth="repeat">
+      <a:schemeClr val="lt1"/>
+    </dgm:linClrLst>
+    <dgm:effectClrLst/>
+    <dgm:txLinClrLst/>
+    <dgm:txFillClrLst/>
+    <dgm:txEffectClrLst/>
+  </dgm:styleLbl>
+  <dgm:styleLbl name="vennNode1">
+    <dgm:fillClrLst meth="repeat">
+      <a:schemeClr val="accent1">
+        <a:alpha val="50000"/>
+      </a:schemeClr>
+    </dgm:fillClrLst>
+    <dgm:linClrLst meth="repeat">
+      <a:schemeClr val="lt1"/>
+    </dgm:linClrLst>
+    <dgm:effectClrLst/>
+    <dgm:txLinClrLst/>
+    <dgm:txFillClrLst/>
+    <dgm:txEffectClrLst/>
+  </dgm:styleLbl>
+  <dgm:styleLbl name="node2">
+    <dgm:fillClrLst meth="repeat">
+      <a:schemeClr val="accent1"/>
+    </dgm:fillClrLst>
+    <dgm:linClrLst meth="repeat">
+      <a:schemeClr val="lt1"/>
+    </dgm:linClrLst>
+    <dgm:effectClrLst/>
+    <dgm:txLinClrLst/>
+    <dgm:txFillClrLst/>
+    <dgm:txEffectClrLst/>
+  </dgm:styleLbl>
+  <dgm:styleLbl name="node3">
+    <dgm:fillClrLst meth="repeat">
+      <a:schemeClr val="accent1"/>
+    </dgm:fillClrLst>
+    <dgm:linClrLst meth="repeat">
+      <a:schemeClr val="lt1"/>
+    </dgm:linClrLst>
+    <dgm:effectClrLst/>
+    <dgm:txLinClrLst/>
+    <dgm:txFillClrLst/>
+    <dgm:txEffectClrLst/>
+  </dgm:styleLbl>
+  <dgm:styleLbl name="node4">
+    <dgm:fillClrLst meth="repeat">
+      <a:schemeClr val="accent1"/>
+    </dgm:fillClrLst>
+    <dgm:linClrLst meth="repeat">
+      <a:schemeClr val="lt1"/>
+    </dgm:linClrLst>
+    <dgm:effectClrLst/>
+    <dgm:txLinClrLst/>
+    <dgm:txFillClrLst/>
+    <dgm:txEffectClrLst/>
+  </dgm:styleLbl>
+  <dgm:styleLbl name="fgImgPlace1">
+    <dgm:fillClrLst meth="repeat">
+      <a:schemeClr val="accent1">
+        <a:tint val="50000"/>
+      </a:schemeClr>
+    </dgm:fillClrLst>
+    <dgm:linClrLst meth="repeat">
+      <a:schemeClr val="lt1"/>
+    </dgm:linClrLst>
+    <dgm:effectClrLst/>
+    <dgm:txLinClrLst/>
+    <dgm:txFillClrLst meth="repeat">
+      <a:schemeClr val="lt1"/>
+    </dgm:txFillClrLst>
+    <dgm:txEffectClrLst/>
+  </dgm:styleLbl>
+  <dgm:styleLbl name="alignImgPlace1">
+    <dgm:fillClrLst meth="repeat">
+      <a:schemeClr val="accent1">
+        <a:tint val="50000"/>
+      </a:schemeClr>
+    </dgm:fillClrLst>
+    <dgm:linClrLst meth="repeat">
+      <a:schemeClr val="lt1"/>
+    </dgm:linClrLst>
+    <dgm:effectClrLst/>
+    <dgm:txLinClrLst/>
+    <dgm:txFillClrLst meth="repeat">
+      <a:schemeClr val="lt1"/>
+    </dgm:txFillClrLst>
+    <dgm:txEffectClrLst/>
+  </dgm:styleLbl>
+  <dgm:styleLbl name="bgImgPlace1">
+    <dgm:fillClrLst meth="repeat">
+      <a:schemeClr val="accent1">
+        <a:tint val="50000"/>
+      </a:schemeClr>
+    </dgm:fillClrLst>
+    <dgm:linClrLst meth="repeat">
+      <a:schemeClr val="lt1"/>
+    </dgm:linClrLst>
+    <dgm:effectClrLst/>
+    <dgm:txLinClrLst/>
+    <dgm:txFillClrLst meth="repeat">
+      <a:schemeClr val="lt1"/>
+    </dgm:txFillClrLst>
+    <dgm:txEffectClrLst/>
+  </dgm:styleLbl>
+  <dgm:styleLbl name="sibTrans2D1">
+    <dgm:fillClrLst meth="repeat">
+      <a:schemeClr val="accent1">
+        <a:tint val="60000"/>
+      </a:schemeClr>
+    </dgm:fillClrLst>
+    <dgm:linClrLst meth="repeat">
+      <a:schemeClr val="accent1">
+        <a:tint val="60000"/>
+      </a:schemeClr>
+    </dgm:linClrLst>
+    <dgm:effectClrLst/>
+    <dgm:txLinClrLst/>
+    <dgm:txFillClrLst/>
+    <dgm:txEffectClrLst/>
+  </dgm:styleLbl>
+  <dgm:styleLbl name="fgSibTrans2D1">
+    <dgm:fillClrLst meth="repeat">
+      <a:schemeClr val="accent1">
+        <a:tint val="60000"/>
+      </a:schemeClr>
+    </dgm:fillClrLst>
+    <dgm:linClrLst meth="repeat">
+      <a:schemeClr val="accent1">
+        <a:tint val="60000"/>
+      </a:schemeClr>
+    </dgm:linClrLst>
+    <dgm:effectClrLst/>
+    <dgm:txLinClrLst/>
+    <dgm:txFillClrLst/>
+    <dgm:txEffectClrLst/>
+  </dgm:styleLbl>
+  <dgm:styleLbl name="bgSibTrans2D1">
+    <dgm:fillClrLst meth="repeat">
+      <a:schemeClr val="accent1">
+        <a:tint val="60000"/>
+      </a:schemeClr>
+    </dgm:fillClrLst>
+    <dgm:linClrLst meth="repeat">
+      <a:schemeClr val="accent1">
+        <a:tint val="60000"/>
+      </a:schemeClr>
+    </dgm:linClrLst>
+    <dgm:effectClrLst/>
+    <dgm:txLinClrLst/>
+    <dgm:txFillClrLst/>
+    <dgm:txEffectClrLst/>
+  </dgm:styleLbl>
+  <dgm:styleLbl name="sibTrans1D1">
+    <dgm:fillClrLst meth="repeat">
+      <a:schemeClr val="accent1"/>
+    </dgm:fillClrLst>
+    <dgm:linClrLst meth="repeat">
+      <a:schemeClr val="accent1"/>
+    </dgm:linClrLst>
+    <dgm:effectClrLst/>
+    <dgm:txLinClrLst/>
+    <dgm:txFillClrLst meth="repeat">
+      <a:schemeClr val="tx1"/>
+    </dgm:txFillClrLst>
+    <dgm:txEffectClrLst/>
+  </dgm:styleLbl>
+  <dgm:styleLbl name="callout">
+    <dgm:fillClrLst meth="repeat">
+      <a:schemeClr val="accent1"/>
+    </dgm:fillClrLst>
+    <dgm:linClrLst meth="repeat">
+      <a:schemeClr val="accent1">
+        <a:tint val="50000"/>
+      </a:schemeClr>
+    </dgm:linClrLst>
+    <dgm:effectClrLst/>
+    <dgm:txLinClrLst/>
+    <dgm:txFillClrLst meth="repeat">
+      <a:schemeClr val="tx1"/>
+    </dgm:txFillClrLst>
+    <dgm:txEffectClrLst/>
+  </dgm:styleLbl>
+  <dgm:styleLbl name="asst0">
+    <dgm:fillClrLst meth="repeat">
+      <a:schemeClr val="accent1"/>
+    </dgm:fillClrLst>
+    <dgm:linClrLst meth="repeat">
+      <a:schemeClr val="lt1"/>
+    </dgm:linClrLst>
+    <dgm:effectClrLst/>
+    <dgm:txLinClrLst/>
+    <dgm:txFillClrLst/>
+    <dgm:txEffectClrLst/>
+  </dgm:styleLbl>
+  <dgm:styleLbl name="asst1">
+    <dgm:fillClrLst meth="repeat">
+      <a:schemeClr val="accent1"/>
+    </dgm:fillClrLst>
+    <dgm:linClrLst meth="repeat">
+      <a:schemeClr val="lt1"/>
+    </dgm:linClrLst>
+    <dgm:effectClrLst/>
+    <dgm:txLinClrLst/>
+    <dgm:txFillClrLst/>
+    <dgm:txEffectClrLst/>
+  </dgm:styleLbl>
+  <dgm:styleLbl name="asst2">
+    <dgm:fillClrLst meth="repeat">
+      <a:schemeClr val="accent1"/>
+    </dgm:fillClrLst>
+    <dgm:linClrLst meth="repeat">
+      <a:schemeClr val="lt1"/>
+    </dgm:linClrLst>
+    <dgm:effectClrLst/>
+    <dgm:txLinClrLst/>
+    <dgm:txFillClrLst/>
+    <dgm:txEffectClrLst/>
+  </dgm:styleLbl>
+  <dgm:styleLbl name="asst3">
+    <dgm:fillClrLst meth="repeat">
+      <a:schemeClr val="accent1"/>
+    </dgm:fillClrLst>
+    <dgm:linClrLst meth="repeat">
+      <a:schemeClr val="lt1"/>
+    </dgm:linClrLst>
+    <dgm:effectClrLst/>
+    <dgm:txLinClrLst/>
+    <dgm:txFillClrLst/>
+    <dgm:txEffectClrLst/>
+  </dgm:styleLbl>
+  <dgm:styleLbl name="asst4">
+    <dgm:fillClrLst meth="repeat">
+      <a:schemeClr val="accent1"/>
+    </dgm:fillClrLst>
+    <dgm:linClrLst meth="repeat">
+      <a:schemeClr val="lt1"/>
+    </dgm:linClrLst>
+    <dgm:effectClrLst/>
+    <dgm:txLinClrLst/>
+    <dgm:txFillClrLst/>
+    <dgm:txEffectClrLst/>
+  </dgm:styleLbl>
+  <dgm:styleLbl name="parChTrans2D1">
+    <dgm:fillClrLst meth="repeat">
+      <a:schemeClr val="accent1">
+        <a:tint val="60000"/>
+      </a:schemeClr>
+    </dgm:fillClrLst>
+    <dgm:linClrLst meth="repeat">
+      <a:schemeClr val="accent1">
+        <a:tint val="60000"/>
+      </a:schemeClr>
+    </dgm:linClrLst>
+    <dgm:effectClrLst/>
+    <dgm:txLinClrLst/>
+    <dgm:txFillClrLst meth="repeat">
+      <a:schemeClr val="lt1"/>
+    </dgm:txFillClrLst>
+    <dgm:txEffectClrLst/>
+  </dgm:styleLbl>
+  <dgm:styleLbl name="parChTrans2D2">
+    <dgm:fillClrLst meth="repeat">
+      <a:schemeClr val="accent1"/>
+    </dgm:fillClrLst>
+    <dgm:linClrLst meth="repeat">
+      <a:schemeClr val="accent1"/>
+    </dgm:linClrLst>
+    <dgm:effectClrLst/>
+    <dgm:txLinClrLst/>
+    <dgm:txFillClrLst meth="repeat">
+      <a:schemeClr val="lt1"/>
+    </dgm:txFillClrLst>
+    <dgm:txEffectClrLst/>
+  </dgm:styleLbl>
+  <dgm:styleLbl name="parChTrans2D3">
+    <dgm:fillClrLst meth="repeat">
+      <a:schemeClr val="accent1"/>
+    </dgm:fillClrLst>
+    <dgm:linClrLst meth="repeat">
+      <a:schemeClr val="accent1"/>
+    </dgm:linClrLst>
+    <dgm:effectClrLst/>
+    <dgm:txLinClrLst/>
+    <dgm:txFillClrLst meth="repeat">
+      <a:schemeClr val="lt1"/>
+    </dgm:txFillClrLst>
+    <dgm:txEffectClrLst/>
+  </dgm:styleLbl>
+  <dgm:styleLbl name="parChTrans2D4">
+    <dgm:fillClrLst meth="repeat">
+      <a:schemeClr val="accent1"/>
+    </dgm:fillClrLst>
+    <dgm:linClrLst meth="repeat">
+      <a:schemeClr val="accent1"/>
+    </dgm:linClrLst>
+    <dgm:effectClrLst/>
+    <dgm:txLinClrLst/>
+    <dgm:txFillClrLst meth="repeat">
+      <a:schemeClr val="lt1"/>
+    </dgm:txFillClrLst>
+    <dgm:txEffectClrLst/>
+  </dgm:styleLbl>
+  <dgm:styleLbl name="parChTrans1D1">
+    <dgm:fillClrLst meth="repeat">
+      <a:schemeClr val="accent1"/>
+    </dgm:fillClrLst>
+    <dgm:linClrLst meth="repeat">
+      <a:schemeClr val="accent1">
+        <a:shade val="60000"/>
+      </a:schemeClr>
+    </dgm:linClrLst>
+    <dgm:effectClrLst/>
+    <dgm:txLinClrLst/>
+    <dgm:txFillClrLst meth="repeat">
+      <a:schemeClr val="tx1"/>
+    </dgm:txFillClrLst>
+    <dgm:txEffectClrLst/>
+  </dgm:styleLbl>
+  <dgm:styleLbl name="parChTrans1D2">
+    <dgm:fillClrLst meth="repeat">
+      <a:schemeClr val="accent1"/>
+    </dgm:fillClrLst>
+    <dgm:linClrLst meth="repeat">
+      <a:schemeClr val="accent1">
+        <a:shade val="60000"/>
+      </a:schemeClr>
+    </dgm:linClrLst>
+    <dgm:effectClrLst/>
+    <dgm:txLinClrLst/>
+    <dgm:txFillClrLst meth="repeat">
+      <a:schemeClr val="tx1"/>
+    </dgm:txFillClrLst>
+    <dgm:txEffectClrLst/>
+  </dgm:styleLbl>
+  <dgm:styleLbl name="parChTrans1D3">
+    <dgm:fillClrLst meth="repeat">
+      <a:schemeClr val="accent1"/>
+    </dgm:fillClrLst>
+    <dgm:linClrLst meth="repeat">
+      <a:schemeClr val="accent1">
+        <a:shade val="80000"/>
+      </a:schemeClr>
+    </dgm:linClrLst>
+    <dgm:effectClrLst/>
+    <dgm:txLinClrLst/>
+    <dgm:txFillClrLst meth="repeat">
+      <a:schemeClr val="tx1"/>
+    </dgm:txFillClrLst>
+    <dgm:txEffectClrLst/>
+  </dgm:styleLbl>
+  <dgm:styleLbl name="parChTrans1D4">
+    <dgm:fillClrLst meth="repeat">
+      <a:schemeClr val="accent1"/>
+    </dgm:fillClrLst>
+    <dgm:linClrLst meth="repeat">
+      <a:schemeClr val="accent1">
+        <a:shade val="80000"/>
+      </a:schemeClr>
+    </dgm:linClrLst>
+    <dgm:effectClrLst/>
+    <dgm:txLinClrLst/>
+    <dgm:txFillClrLst meth="repeat">
+      <a:schemeClr val="tx1"/>
+    </dgm:txFillClrLst>
+    <dgm:txEffectClrLst/>
+  </dgm:styleLbl>
+  <dgm:styleLbl name="fgAcc1">
+    <dgm:fillClrLst meth="repeat">
+      <a:schemeClr val="lt1">
+        <a:alpha val="90000"/>
+      </a:schemeClr>
+    </dgm:fillClrLst>
+    <dgm:linClrLst meth="repeat">
+      <a:schemeClr val="accent1"/>
+    </dgm:linClrLst>
+    <dgm:effectClrLst/>
+    <dgm:txLinClrLst/>
+    <dgm:txFillClrLst meth="repeat">
+      <a:schemeClr val="dk1"/>
+    </dgm:txFillClrLst>
+    <dgm:txEffectClrLst/>
+  </dgm:styleLbl>
+  <dgm:styleLbl name="conFgAcc1">
+    <dgm:fillClrLst meth="repeat">
+      <a:schemeClr val="lt1">
+        <a:alpha val="90000"/>
+      </a:schemeClr>
+    </dgm:fillClrLst>
+    <dgm:linClrLst meth="repeat">
+      <a:schemeClr val="accent1"/>
+    </dgm:linClrLst>
+    <dgm:effectClrLst/>
+    <dgm:txLinClrLst/>
+    <dgm:txFillClrLst meth="repeat">
+      <a:schemeClr val="dk1"/>
+    </dgm:txFillClrLst>
+    <dgm:txEffectClrLst/>
+  </dgm:styleLbl>
+  <dgm:styleLbl name="alignAcc1">
+    <dgm:fillClrLst meth="repeat">
+      <a:schemeClr val="lt1">
+        <a:alpha val="90000"/>
+      </a:schemeClr>
+    </dgm:fillClrLst>
+    <dgm:linClrLst meth="repeat">
+      <a:schemeClr val="accent1"/>
+    </dgm:linClrLst>
+    <dgm:effectClrLst/>
+    <dgm:txLinClrLst/>
+    <dgm:txFillClrLst meth="repeat">
+      <a:schemeClr val="dk1"/>
+    </dgm:txFillClrLst>
+    <dgm:txEffectClrLst/>
+  </dgm:styleLbl>
+  <dgm:styleLbl name="trAlignAcc1">
+    <dgm:fillClrLst meth="repeat">
+      <a:schemeClr val="lt1">
+        <a:alpha val="40000"/>
+      </a:schemeClr>
+    </dgm:fillClrLst>
+    <dgm:linClrLst meth="repeat">
+      <a:schemeClr val="accent1"/>
+    </dgm:linClrLst>
+    <dgm:effectClrLst/>
+    <dgm:txLinClrLst/>
+    <dgm:txFillClrLst meth="repeat">
+      <a:schemeClr val="dk1"/>
+    </dgm:txFillClrLst>
+    <dgm:txEffectClrLst/>
+  </dgm:styleLbl>
+  <dgm:styleLbl name="bgAcc1">
+    <dgm:fillClrLst meth="repeat">
+      <a:schemeClr val="lt1">
+        <a:alpha val="90000"/>
+      </a:schemeClr>
+    </dgm:fillClrLst>
+    <dgm:linClrLst meth="repeat">
+      <a:schemeClr val="accent1"/>
+    </dgm:linClrLst>
+    <dgm:effectClrLst/>
+    <dgm:txLinClrLst/>
+    <dgm:txFillClrLst meth="repeat">
+      <a:schemeClr val="dk1"/>
+    </dgm:txFillClrLst>
+    <dgm:txEffectClrLst/>
+  </dgm:styleLbl>
+  <dgm:styleLbl name="solidFgAcc1">
+    <dgm:fillClrLst meth="repeat">
+      <a:schemeClr val="lt1"/>
+    </dgm:fillClrLst>
+    <dgm:linClrLst meth="repeat">
+      <a:schemeClr val="accent1"/>
+    </dgm:linClrLst>
+    <dgm:effectClrLst/>
+    <dgm:txLinClrLst/>
+    <dgm:txFillClrLst meth="repeat">
+      <a:schemeClr val="dk1"/>
+    </dgm:txFillClrLst>
+    <dgm:txEffectClrLst/>
+  </dgm:styleLbl>
+  <dgm:styleLbl name="solidAlignAcc1">
+    <dgm:fillClrLst meth="repeat">
+      <a:schemeClr val="lt1"/>
+    </dgm:fillClrLst>
+    <dgm:linClrLst meth="repeat">
+      <a:schemeClr val="accent1"/>
+    </dgm:linClrLst>
+    <dgm:effectClrLst/>
+    <dgm:txLinClrLst/>
+    <dgm:txFillClrLst meth="repeat">
+      <a:schemeClr val="dk1"/>
+    </dgm:txFillClrLst>
+    <dgm:txEffectClrLst/>
+  </dgm:styleLbl>
+  <dgm:styleLbl name="solidBgAcc1">
+    <dgm:fillClrLst meth="repeat">
+      <a:schemeClr val="lt1"/>
+    </dgm:fillClrLst>
+    <dgm:linClrLst meth="repeat">
+      <a:schemeClr val="accent1"/>
+    </dgm:linClrLst>
+    <dgm:effectClrLst/>
+    <dgm:txLinClrLst/>
+    <dgm:txFillClrLst meth="repeat">
+      <a:schemeClr val="dk1"/>
+    </dgm:txFillClrLst>
+    <dgm:txEffectClrLst/>
+  </dgm:styleLbl>
+  <dgm:styleLbl name="fgAccFollowNode1">
+    <dgm:fillClrLst meth="repeat">
+      <a:schemeClr val="accent1">
+        <a:alpha val="90000"/>
+        <a:tint val="40000"/>
+      </a:schemeClr>
+    </dgm:fillClrLst>
+    <dgm:linClrLst meth="repeat">
+      <a:schemeClr val="accent1">
+        <a:alpha val="90000"/>
+        <a:tint val="40000"/>
+      </a:schemeClr>
+    </dgm:linClrLst>
+    <dgm:effectClrLst/>
+    <dgm:txLinClrLst/>
+    <dgm:txFillClrLst meth="repeat">
+      <a:schemeClr val="dk1"/>
+    </dgm:txFillClrLst>
+    <dgm:txEffectClrLst/>
+  </dgm:styleLbl>
+  <dgm:styleLbl name="alignAccFollowNode1">
+    <dgm:fillClrLst meth="repeat">
+      <a:schemeClr val="accent1">
+        <a:alpha val="90000"/>
+        <a:tint val="40000"/>
+      </a:schemeClr>
+    </dgm:fillClrLst>
+    <dgm:linClrLst meth="repeat">
+      <a:schemeClr val="accent1">
+        <a:alpha val="90000"/>
+        <a:tint val="40000"/>
+      </a:schemeClr>
+    </dgm:linClrLst>
+    <dgm:effectClrLst/>
+    <dgm:txLinClrLst/>
+    <dgm:txFillClrLst meth="repeat">
+      <a:schemeClr val="dk1"/>
+    </dgm:txFillClrLst>
+    <dgm:txEffectClrLst/>
+  </dgm:styleLbl>
+  <dgm:styleLbl name="bgAccFollowNode1">
+    <dgm:fillClrLst meth="repeat">
+      <a:schemeClr val="accent1">
+        <a:alpha val="90000"/>
+        <a:tint val="40000"/>
+      </a:schemeClr>
+    </dgm:fillClrLst>
+    <dgm:linClrLst meth="repeat">
+      <a:schemeClr val="accent1">
+        <a:alpha val="90000"/>
+        <a:tint val="40000"/>
+      </a:schemeClr>
+    </dgm:linClrLst>
+    <dgm:effectClrLst/>
+    <dgm:txLinClrLst/>
+    <dgm:txFillClrLst meth="repeat">
+      <a:schemeClr val="dk1"/>
+    </dgm:txFillClrLst>
+    <dgm:txEffectClrLst/>
+  </dgm:styleLbl>
+  <dgm:styleLbl name="fgAcc0">
+    <dgm:fillClrLst meth="repeat">
+      <a:schemeClr val="lt1">
+        <a:alpha val="90000"/>
+      </a:schemeClr>
+    </dgm:fillClrLst>
+    <dgm:linClrLst meth="repeat">
+      <a:schemeClr val="accent1"/>
+    </dgm:linClrLst>
+    <dgm:effectClrLst/>
+    <dgm:txLinClrLst/>
+    <dgm:txFillClrLst meth="repeat">
+      <a:schemeClr val="dk1"/>
+    </dgm:txFillClrLst>
+    <dgm:txEffectClrLst/>
+  </dgm:styleLbl>
+  <dgm:styleLbl name="fgAcc2">
+    <dgm:fillClrLst meth="repeat">
+      <a:schemeClr val="lt1">
+        <a:alpha val="90000"/>
+      </a:schemeClr>
+    </dgm:fillClrLst>
+    <dgm:linClrLst meth="repeat">
+      <a:schemeClr val="accent1"/>
+    </dgm:linClrLst>
+    <dgm:effectClrLst/>
+    <dgm:txLinClrLst/>
+    <dgm:txFillClrLst meth="repeat">
+      <a:schemeClr val="dk1"/>
+    </dgm:txFillClrLst>
+    <dgm:txEffectClrLst/>
+  </dgm:styleLbl>
+  <dgm:styleLbl name="fgAcc3">
+    <dgm:fillClrLst meth="repeat">
+      <a:schemeClr val="lt1">
+        <a:alpha val="90000"/>
+      </a:schemeClr>
+    </dgm:fillClrLst>
+    <dgm:linClrLst meth="repeat">
+      <a:schemeClr val="accent1"/>
+    </dgm:linClrLst>
+    <dgm:effectClrLst/>
+    <dgm:txLinClrLst/>
+    <dgm:txFillClrLst meth="repeat">
+      <a:schemeClr val="dk1"/>
+    </dgm:txFillClrLst>
+    <dgm:txEffectClrLst/>
+  </dgm:styleLbl>
+  <dgm:styleLbl name="fgAcc4">
+    <dgm:fillClrLst meth="repeat">
+      <a:schemeClr val="lt1">
+        <a:alpha val="90000"/>
+      </a:schemeClr>
+    </dgm:fillClrLst>
+    <dgm:linClrLst meth="repeat">
+      <a:schemeClr val="accent1"/>
+    </dgm:linClrLst>
+    <dgm:effectClrLst/>
+    <dgm:txLinClrLst/>
+    <dgm:txFillClrLst meth="repeat">
+      <a:schemeClr val="dk1"/>
+    </dgm:txFillClrLst>
+    <dgm:txEffectClrLst/>
+  </dgm:styleLbl>
+  <dgm:styleLbl name="bgShp">
+    <dgm:fillClrLst meth="repeat">
+      <a:schemeClr val="accent1">
+        <a:tint val="40000"/>
+      </a:schemeClr>
+    </dgm:fillClrLst>
+    <dgm:linClrLst meth="repeat">
+      <a:schemeClr val="accent1"/>
+    </dgm:linClrLst>
+    <dgm:effectClrLst/>
+    <dgm:txLinClrLst/>
+    <dgm:txFillClrLst meth="repeat">
+      <a:schemeClr val="dk1"/>
+    </dgm:txFillClrLst>
+    <dgm:txEffectClrLst/>
+  </dgm:styleLbl>
+  <dgm:styleLbl name="dkBgShp">
+    <dgm:fillClrLst meth="repeat">
+      <a:schemeClr val="accent1">
+        <a:shade val="80000"/>
+      </a:schemeClr>
+    </dgm:fillClrLst>
+    <dgm:linClrLst meth="repeat">
+      <a:schemeClr val="accent1"/>
+    </dgm:linClrLst>
+    <dgm:effectClrLst/>
+    <dgm:txLinClrLst/>
+    <dgm:txFillClrLst meth="repeat">
+      <a:schemeClr val="lt1"/>
+    </dgm:txFillClrLst>
+    <dgm:txEffectClrLst/>
+  </dgm:styleLbl>
+  <dgm:styleLbl name="trBgShp">
+    <dgm:fillClrLst meth="repeat">
+      <a:schemeClr val="accent1">
+        <a:tint val="50000"/>
+        <a:alpha val="40000"/>
+      </a:schemeClr>
+    </dgm:fillClrLst>
+    <dgm:linClrLst meth="repeat">
+      <a:schemeClr val="accent1"/>
+    </dgm:linClrLst>
+    <dgm:effectClrLst/>
+    <dgm:txLinClrLst/>
+    <dgm:txFillClrLst meth="repeat">
+      <a:schemeClr val="lt1"/>
+    </dgm:txFillClrLst>
+    <dgm:txEffectClrLst/>
+  </dgm:styleLbl>
+  <dgm:styleLbl name="fgShp">
+    <dgm:fillClrLst meth="repeat">
+      <a:schemeClr val="accent1">
+        <a:tint val="60000"/>
+      </a:schemeClr>
+    </dgm:fillClrLst>
+    <dgm:linClrLst meth="repeat">
+      <a:schemeClr val="lt1"/>
+    </dgm:linClrLst>
+    <dgm:effectClrLst/>
+    <dgm:txLinClrLst/>
+    <dgm:txFillClrLst meth="repeat">
+      <a:schemeClr val="dk1"/>
+    </dgm:txFillClrLst>
+    <dgm:txEffectClrLst/>
+  </dgm:styleLbl>
+  <dgm:styleLbl name="revTx">
+    <dgm:fillClrLst meth="repeat">
+      <a:schemeClr val="lt1">
+        <a:alpha val="0"/>
+      </a:schemeClr>
+    </dgm:fillClrLst>
+    <dgm:linClrLst meth="repeat">
+      <a:schemeClr val="dk1">
+        <a:alpha val="0"/>
+      </a:schemeClr>
+    </dgm:linClrLst>
+    <dgm:effectClrLst/>
+    <dgm:txLinClrLst/>
+    <dgm:txFillClrLst meth="repeat">
+      <a:schemeClr val="tx1"/>
+    </dgm:txFillClrLst>
+    <dgm:txEffectClrLst/>
+  </dgm:styleLbl>
+</dgm:colorsDef>
+</file>
+
+<file path=ppt/diagrams/data1.xml><?xml version="1.0" encoding="utf-8"?>
+<dgm:dataModel xmlns:dgm="http://schemas.openxmlformats.org/drawingml/2006/diagram" xmlns:a="http://schemas.openxmlformats.org/drawingml/2006/main">
+  <dgm:ptLst>
+    <dgm:pt modelId="{8E86F1EB-9399-4BC7-952A-73402B8AA7CE}" type="doc">
+      <dgm:prSet loTypeId="urn:microsoft.com/office/officeart/2005/8/layout/default" loCatId="list" qsTypeId="urn:microsoft.com/office/officeart/2005/8/quickstyle/simple1" qsCatId="simple" csTypeId="urn:microsoft.com/office/officeart/2005/8/colors/accent1_2" csCatId="accent1"/>
+      <dgm:spPr/>
+      <dgm:t>
+        <a:bodyPr/>
+        <a:lstStyle/>
+        <a:p>
+          <a:endParaRPr lang="en-US"/>
+        </a:p>
+      </dgm:t>
+    </dgm:pt>
+    <dgm:pt modelId="{0100CBCA-6F3A-4849-9393-350E542E8AD1}">
+      <dgm:prSet/>
+      <dgm:spPr/>
+      <dgm:t>
+        <a:bodyPr/>
+        <a:lstStyle/>
+        <a:p>
+          <a:r>
+            <a:rPr lang="de-DE"/>
+            <a:t>Pros/Cons Hugo</a:t>
+          </a:r>
+          <a:endParaRPr lang="en-US"/>
+        </a:p>
+      </dgm:t>
+    </dgm:pt>
+    <dgm:pt modelId="{C27910BC-6AD0-4EA1-8D23-11F88ED0494F}" type="parTrans" cxnId="{B0D13C8B-BF3F-4A1A-B5D4-007BEFC1F9FF}">
+      <dgm:prSet/>
+      <dgm:spPr/>
+      <dgm:t>
+        <a:bodyPr/>
+        <a:lstStyle/>
+        <a:p>
+          <a:endParaRPr lang="en-US"/>
+        </a:p>
+      </dgm:t>
+    </dgm:pt>
+    <dgm:pt modelId="{7E905339-D58E-4784-9550-B6487F150F82}" type="sibTrans" cxnId="{B0D13C8B-BF3F-4A1A-B5D4-007BEFC1F9FF}">
+      <dgm:prSet/>
+      <dgm:spPr/>
+      <dgm:t>
+        <a:bodyPr/>
+        <a:lstStyle/>
+        <a:p>
+          <a:endParaRPr lang="en-US"/>
+        </a:p>
+      </dgm:t>
+    </dgm:pt>
+    <dgm:pt modelId="{2EE6056E-47C7-4C83-A4BB-E8FE74A2B7E4}">
+      <dgm:prSet/>
+      <dgm:spPr/>
+      <dgm:t>
+        <a:bodyPr/>
+        <a:lstStyle/>
+        <a:p>
+          <a:r>
+            <a:rPr lang="de-DE"/>
+            <a:t>Hugo Installation</a:t>
+          </a:r>
+          <a:endParaRPr lang="en-US"/>
+        </a:p>
+      </dgm:t>
+    </dgm:pt>
+    <dgm:pt modelId="{973EB43C-2FA2-4954-9197-90428D83974B}" type="parTrans" cxnId="{8321A13B-8AEC-4E6A-8EFA-EABD4F6A055C}">
+      <dgm:prSet/>
+      <dgm:spPr/>
+      <dgm:t>
+        <a:bodyPr/>
+        <a:lstStyle/>
+        <a:p>
+          <a:endParaRPr lang="en-US"/>
+        </a:p>
+      </dgm:t>
+    </dgm:pt>
+    <dgm:pt modelId="{614CBCAB-727A-4236-B505-F603E3D6416E}" type="sibTrans" cxnId="{8321A13B-8AEC-4E6A-8EFA-EABD4F6A055C}">
+      <dgm:prSet/>
+      <dgm:spPr/>
+      <dgm:t>
+        <a:bodyPr/>
+        <a:lstStyle/>
+        <a:p>
+          <a:endParaRPr lang="en-US"/>
+        </a:p>
+      </dgm:t>
+    </dgm:pt>
+    <dgm:pt modelId="{A06BB3C6-7D5D-48D2-B2EC-DF88268C5D16}">
+      <dgm:prSet/>
+      <dgm:spPr/>
+      <dgm:t>
+        <a:bodyPr/>
+        <a:lstStyle/>
+        <a:p>
+          <a:r>
+            <a:rPr lang="de-DE"/>
+            <a:t>Hugo Themes</a:t>
+          </a:r>
+          <a:endParaRPr lang="en-US"/>
+        </a:p>
+      </dgm:t>
+    </dgm:pt>
+    <dgm:pt modelId="{A46433B7-47B9-412F-BC47-BDE29BB23337}" type="parTrans" cxnId="{C9612D85-A9A4-4982-B91F-62EAD5772DB7}">
+      <dgm:prSet/>
+      <dgm:spPr/>
+      <dgm:t>
+        <a:bodyPr/>
+        <a:lstStyle/>
+        <a:p>
+          <a:endParaRPr lang="en-US"/>
+        </a:p>
+      </dgm:t>
+    </dgm:pt>
+    <dgm:pt modelId="{7EB684DC-8391-4A6C-BEFB-C4191871E884}" type="sibTrans" cxnId="{C9612D85-A9A4-4982-B91F-62EAD5772DB7}">
+      <dgm:prSet/>
+      <dgm:spPr/>
+      <dgm:t>
+        <a:bodyPr/>
+        <a:lstStyle/>
+        <a:p>
+          <a:endParaRPr lang="en-US"/>
+        </a:p>
+      </dgm:t>
+    </dgm:pt>
+    <dgm:pt modelId="{CC3729D2-E513-434C-90FF-B2E529D9A669}">
+      <dgm:prSet/>
+      <dgm:spPr/>
+      <dgm:t>
+        <a:bodyPr/>
+        <a:lstStyle/>
+        <a:p>
+          <a:r>
+            <a:rPr lang="de-DE"/>
+            <a:t>Durchführung</a:t>
+          </a:r>
+          <a:endParaRPr lang="en-US"/>
+        </a:p>
+      </dgm:t>
+    </dgm:pt>
+    <dgm:pt modelId="{BB1FCF1C-78C9-4CA3-892F-0782541A476D}" type="parTrans" cxnId="{080751BE-1CAA-44AA-B68A-E22C78CAB7DF}">
+      <dgm:prSet/>
+      <dgm:spPr/>
+      <dgm:t>
+        <a:bodyPr/>
+        <a:lstStyle/>
+        <a:p>
+          <a:endParaRPr lang="en-US"/>
+        </a:p>
+      </dgm:t>
+    </dgm:pt>
+    <dgm:pt modelId="{31434C70-D96A-45A3-A123-7FF6040A7D21}" type="sibTrans" cxnId="{080751BE-1CAA-44AA-B68A-E22C78CAB7DF}">
+      <dgm:prSet/>
+      <dgm:spPr/>
+      <dgm:t>
+        <a:bodyPr/>
+        <a:lstStyle/>
+        <a:p>
+          <a:endParaRPr lang="en-US"/>
+        </a:p>
+      </dgm:t>
+    </dgm:pt>
+    <dgm:pt modelId="{4BAEC6E2-F307-4A2F-9553-B61802FD199D}">
+      <dgm:prSet/>
+      <dgm:spPr/>
+      <dgm:t>
+        <a:bodyPr/>
+        <a:lstStyle/>
+        <a:p>
+          <a:r>
+            <a:rPr lang="de-DE"/>
+            <a:t>Deployment Github Pages</a:t>
+          </a:r>
+          <a:endParaRPr lang="en-US"/>
+        </a:p>
+      </dgm:t>
+    </dgm:pt>
+    <dgm:pt modelId="{9A60BF8D-309E-4C06-829B-F732F5EE8EAE}" type="parTrans" cxnId="{75BD779A-558C-494C-875A-ED1E6402EC0C}">
+      <dgm:prSet/>
+      <dgm:spPr/>
+      <dgm:t>
+        <a:bodyPr/>
+        <a:lstStyle/>
+        <a:p>
+          <a:endParaRPr lang="en-US"/>
+        </a:p>
+      </dgm:t>
+    </dgm:pt>
+    <dgm:pt modelId="{3FC7417F-8633-4FC0-8BFD-8DF32D644D00}" type="sibTrans" cxnId="{75BD779A-558C-494C-875A-ED1E6402EC0C}">
+      <dgm:prSet/>
+      <dgm:spPr/>
+      <dgm:t>
+        <a:bodyPr/>
+        <a:lstStyle/>
+        <a:p>
+          <a:endParaRPr lang="en-US"/>
+        </a:p>
+      </dgm:t>
+    </dgm:pt>
+    <dgm:pt modelId="{CBA971B2-5B73-4DCD-9047-6F595682BCF3}" type="pres">
+      <dgm:prSet presAssocID="{8E86F1EB-9399-4BC7-952A-73402B8AA7CE}" presName="diagram" presStyleCnt="0">
+        <dgm:presLayoutVars>
+          <dgm:dir/>
+          <dgm:resizeHandles val="exact"/>
+        </dgm:presLayoutVars>
+      </dgm:prSet>
+      <dgm:spPr/>
+    </dgm:pt>
+    <dgm:pt modelId="{F78CF7B0-70E6-4443-B173-746D746CA450}" type="pres">
+      <dgm:prSet presAssocID="{0100CBCA-6F3A-4849-9393-350E542E8AD1}" presName="node" presStyleLbl="node1" presStyleIdx="0" presStyleCnt="5">
+        <dgm:presLayoutVars>
+          <dgm:bulletEnabled val="1"/>
+        </dgm:presLayoutVars>
+      </dgm:prSet>
+      <dgm:spPr/>
+    </dgm:pt>
+    <dgm:pt modelId="{9B5D5E7A-5EDE-4B4F-8154-F48635F0E2DC}" type="pres">
+      <dgm:prSet presAssocID="{7E905339-D58E-4784-9550-B6487F150F82}" presName="sibTrans" presStyleCnt="0"/>
+      <dgm:spPr/>
+    </dgm:pt>
+    <dgm:pt modelId="{3BE189C5-3FA2-49F0-B39E-3806AE4EEB19}" type="pres">
+      <dgm:prSet presAssocID="{2EE6056E-47C7-4C83-A4BB-E8FE74A2B7E4}" presName="node" presStyleLbl="node1" presStyleIdx="1" presStyleCnt="5">
+        <dgm:presLayoutVars>
+          <dgm:bulletEnabled val="1"/>
+        </dgm:presLayoutVars>
+      </dgm:prSet>
+      <dgm:spPr/>
+    </dgm:pt>
+    <dgm:pt modelId="{8D4A85B5-D22D-42EB-B07F-8BF00F1BDC36}" type="pres">
+      <dgm:prSet presAssocID="{614CBCAB-727A-4236-B505-F603E3D6416E}" presName="sibTrans" presStyleCnt="0"/>
+      <dgm:spPr/>
+    </dgm:pt>
+    <dgm:pt modelId="{84EFB06C-46CE-4039-B07A-F23B7511527C}" type="pres">
+      <dgm:prSet presAssocID="{A06BB3C6-7D5D-48D2-B2EC-DF88268C5D16}" presName="node" presStyleLbl="node1" presStyleIdx="2" presStyleCnt="5">
+        <dgm:presLayoutVars>
+          <dgm:bulletEnabled val="1"/>
+        </dgm:presLayoutVars>
+      </dgm:prSet>
+      <dgm:spPr/>
+    </dgm:pt>
+    <dgm:pt modelId="{ADDF429E-F45F-4624-8B79-91D01F52C044}" type="pres">
+      <dgm:prSet presAssocID="{7EB684DC-8391-4A6C-BEFB-C4191871E884}" presName="sibTrans" presStyleCnt="0"/>
+      <dgm:spPr/>
+    </dgm:pt>
+    <dgm:pt modelId="{815B36F6-A200-48BA-A60B-7DD14526F711}" type="pres">
+      <dgm:prSet presAssocID="{CC3729D2-E513-434C-90FF-B2E529D9A669}" presName="node" presStyleLbl="node1" presStyleIdx="3" presStyleCnt="5">
+        <dgm:presLayoutVars>
+          <dgm:bulletEnabled val="1"/>
+        </dgm:presLayoutVars>
+      </dgm:prSet>
+      <dgm:spPr/>
+    </dgm:pt>
+    <dgm:pt modelId="{81819D53-2FFD-46A6-B96E-7B172F4AEEBF}" type="pres">
+      <dgm:prSet presAssocID="{31434C70-D96A-45A3-A123-7FF6040A7D21}" presName="sibTrans" presStyleCnt="0"/>
+      <dgm:spPr/>
+    </dgm:pt>
+    <dgm:pt modelId="{8F2213B5-90EA-41B7-BF45-D45D3033440A}" type="pres">
+      <dgm:prSet presAssocID="{4BAEC6E2-F307-4A2F-9553-B61802FD199D}" presName="node" presStyleLbl="node1" presStyleIdx="4" presStyleCnt="5">
+        <dgm:presLayoutVars>
+          <dgm:bulletEnabled val="1"/>
+        </dgm:presLayoutVars>
+      </dgm:prSet>
+      <dgm:spPr/>
+    </dgm:pt>
+  </dgm:ptLst>
+  <dgm:cxnLst>
+    <dgm:cxn modelId="{4D4CBD18-9F13-46FC-A688-4F9D0296B1E2}" type="presOf" srcId="{A06BB3C6-7D5D-48D2-B2EC-DF88268C5D16}" destId="{84EFB06C-46CE-4039-B07A-F23B7511527C}" srcOrd="0" destOrd="0" presId="urn:microsoft.com/office/officeart/2005/8/layout/default"/>
+    <dgm:cxn modelId="{25C61B1A-F6CD-4A67-8987-5A52B8DD877B}" type="presOf" srcId="{CC3729D2-E513-434C-90FF-B2E529D9A669}" destId="{815B36F6-A200-48BA-A60B-7DD14526F711}" srcOrd="0" destOrd="0" presId="urn:microsoft.com/office/officeart/2005/8/layout/default"/>
+    <dgm:cxn modelId="{D5255D36-EF6B-4303-8A9F-86C23404CF74}" type="presOf" srcId="{4BAEC6E2-F307-4A2F-9553-B61802FD199D}" destId="{8F2213B5-90EA-41B7-BF45-D45D3033440A}" srcOrd="0" destOrd="0" presId="urn:microsoft.com/office/officeart/2005/8/layout/default"/>
+    <dgm:cxn modelId="{8321A13B-8AEC-4E6A-8EFA-EABD4F6A055C}" srcId="{8E86F1EB-9399-4BC7-952A-73402B8AA7CE}" destId="{2EE6056E-47C7-4C83-A4BB-E8FE74A2B7E4}" srcOrd="1" destOrd="0" parTransId="{973EB43C-2FA2-4954-9197-90428D83974B}" sibTransId="{614CBCAB-727A-4236-B505-F603E3D6416E}"/>
+    <dgm:cxn modelId="{1AF62671-E02D-4CEF-8427-55716C376189}" type="presOf" srcId="{8E86F1EB-9399-4BC7-952A-73402B8AA7CE}" destId="{CBA971B2-5B73-4DCD-9047-6F595682BCF3}" srcOrd="0" destOrd="0" presId="urn:microsoft.com/office/officeart/2005/8/layout/default"/>
+    <dgm:cxn modelId="{C9612D85-A9A4-4982-B91F-62EAD5772DB7}" srcId="{8E86F1EB-9399-4BC7-952A-73402B8AA7CE}" destId="{A06BB3C6-7D5D-48D2-B2EC-DF88268C5D16}" srcOrd="2" destOrd="0" parTransId="{A46433B7-47B9-412F-BC47-BDE29BB23337}" sibTransId="{7EB684DC-8391-4A6C-BEFB-C4191871E884}"/>
+    <dgm:cxn modelId="{B0D13C8B-BF3F-4A1A-B5D4-007BEFC1F9FF}" srcId="{8E86F1EB-9399-4BC7-952A-73402B8AA7CE}" destId="{0100CBCA-6F3A-4849-9393-350E542E8AD1}" srcOrd="0" destOrd="0" parTransId="{C27910BC-6AD0-4EA1-8D23-11F88ED0494F}" sibTransId="{7E905339-D58E-4784-9550-B6487F150F82}"/>
+    <dgm:cxn modelId="{75BD779A-558C-494C-875A-ED1E6402EC0C}" srcId="{8E86F1EB-9399-4BC7-952A-73402B8AA7CE}" destId="{4BAEC6E2-F307-4A2F-9553-B61802FD199D}" srcOrd="4" destOrd="0" parTransId="{9A60BF8D-309E-4C06-829B-F732F5EE8EAE}" sibTransId="{3FC7417F-8633-4FC0-8BFD-8DF32D644D00}"/>
+    <dgm:cxn modelId="{080751BE-1CAA-44AA-B68A-E22C78CAB7DF}" srcId="{8E86F1EB-9399-4BC7-952A-73402B8AA7CE}" destId="{CC3729D2-E513-434C-90FF-B2E529D9A669}" srcOrd="3" destOrd="0" parTransId="{BB1FCF1C-78C9-4CA3-892F-0782541A476D}" sibTransId="{31434C70-D96A-45A3-A123-7FF6040A7D21}"/>
+    <dgm:cxn modelId="{A11026EB-8B4A-43EF-A517-F16DABB1FA8D}" type="presOf" srcId="{0100CBCA-6F3A-4849-9393-350E542E8AD1}" destId="{F78CF7B0-70E6-4443-B173-746D746CA450}" srcOrd="0" destOrd="0" presId="urn:microsoft.com/office/officeart/2005/8/layout/default"/>
+    <dgm:cxn modelId="{A85EFAF2-7FE6-48A0-ABE3-EB3EE2407561}" type="presOf" srcId="{2EE6056E-47C7-4C83-A4BB-E8FE74A2B7E4}" destId="{3BE189C5-3FA2-49F0-B39E-3806AE4EEB19}" srcOrd="0" destOrd="0" presId="urn:microsoft.com/office/officeart/2005/8/layout/default"/>
+    <dgm:cxn modelId="{FD04065D-F8F2-4881-97FB-3D187F41A74A}" type="presParOf" srcId="{CBA971B2-5B73-4DCD-9047-6F595682BCF3}" destId="{F78CF7B0-70E6-4443-B173-746D746CA450}" srcOrd="0" destOrd="0" presId="urn:microsoft.com/office/officeart/2005/8/layout/default"/>
+    <dgm:cxn modelId="{140FE97E-A1F6-4DDB-8DCC-21052A9F37E5}" type="presParOf" srcId="{CBA971B2-5B73-4DCD-9047-6F595682BCF3}" destId="{9B5D5E7A-5EDE-4B4F-8154-F48635F0E2DC}" srcOrd="1" destOrd="0" presId="urn:microsoft.com/office/officeart/2005/8/layout/default"/>
+    <dgm:cxn modelId="{BC0473BD-28FE-419C-9619-2DAD43FA5026}" type="presParOf" srcId="{CBA971B2-5B73-4DCD-9047-6F595682BCF3}" destId="{3BE189C5-3FA2-49F0-B39E-3806AE4EEB19}" srcOrd="2" destOrd="0" presId="urn:microsoft.com/office/officeart/2005/8/layout/default"/>
+    <dgm:cxn modelId="{3ACBF283-70B3-4552-934E-B9AD6BAB5399}" type="presParOf" srcId="{CBA971B2-5B73-4DCD-9047-6F595682BCF3}" destId="{8D4A85B5-D22D-42EB-B07F-8BF00F1BDC36}" srcOrd="3" destOrd="0" presId="urn:microsoft.com/office/officeart/2005/8/layout/default"/>
+    <dgm:cxn modelId="{DE969659-BD11-400E-A40D-33133CBDE3E9}" type="presParOf" srcId="{CBA971B2-5B73-4DCD-9047-6F595682BCF3}" destId="{84EFB06C-46CE-4039-B07A-F23B7511527C}" srcOrd="4" destOrd="0" presId="urn:microsoft.com/office/officeart/2005/8/layout/default"/>
+    <dgm:cxn modelId="{4B00DB8C-4576-4006-B8DD-36C3265EA12A}" type="presParOf" srcId="{CBA971B2-5B73-4DCD-9047-6F595682BCF3}" destId="{ADDF429E-F45F-4624-8B79-91D01F52C044}" srcOrd="5" destOrd="0" presId="urn:microsoft.com/office/officeart/2005/8/layout/default"/>
+    <dgm:cxn modelId="{C2DCB7B8-E1CD-4E3B-A18A-108AC500DC87}" type="presParOf" srcId="{CBA971B2-5B73-4DCD-9047-6F595682BCF3}" destId="{815B36F6-A200-48BA-A60B-7DD14526F711}" srcOrd="6" destOrd="0" presId="urn:microsoft.com/office/officeart/2005/8/layout/default"/>
+    <dgm:cxn modelId="{3FC9780F-8D9B-460D-AA1A-A2F930A8AE27}" type="presParOf" srcId="{CBA971B2-5B73-4DCD-9047-6F595682BCF3}" destId="{81819D53-2FFD-46A6-B96E-7B172F4AEEBF}" srcOrd="7" destOrd="0" presId="urn:microsoft.com/office/officeart/2005/8/layout/default"/>
+    <dgm:cxn modelId="{42C4BE03-3B5E-46A0-875B-FFBD162ED1A5}" type="presParOf" srcId="{CBA971B2-5B73-4DCD-9047-6F595682BCF3}" destId="{8F2213B5-90EA-41B7-BF45-D45D3033440A}" srcOrd="8" destOrd="0" presId="urn:microsoft.com/office/officeart/2005/8/layout/default"/>
+  </dgm:cxnLst>
+  <dgm:bg/>
+  <dgm:whole/>
+  <dgm:extLst>
+    <a:ext uri="http://schemas.microsoft.com/office/drawing/2008/diagram">
+      <dsp:dataModelExt xmlns:dsp="http://schemas.microsoft.com/office/drawing/2008/diagram" relId="rId6" minVer="http://schemas.openxmlformats.org/drawingml/2006/diagram"/>
+    </a:ext>
+  </dgm:extLst>
+</dgm:dataModel>
+</file>
+
+<file path=ppt/diagrams/drawing1.xml><?xml version="1.0" encoding="utf-8"?>
+<dsp:drawing xmlns:dgm="http://schemas.openxmlformats.org/drawingml/2006/diagram" xmlns:dsp="http://schemas.microsoft.com/office/drawing/2008/diagram" xmlns:a="http://schemas.openxmlformats.org/drawingml/2006/main">
+  <dsp:spTree>
+    <dsp:nvGrpSpPr>
+      <dsp:cNvPr id="0" name=""/>
+      <dsp:cNvGrpSpPr/>
+    </dsp:nvGrpSpPr>
+    <dsp:grpSpPr/>
+    <dsp:sp modelId="{F78CF7B0-70E6-4443-B173-746D746CA450}">
+      <dsp:nvSpPr>
+        <dsp:cNvPr id="0" name=""/>
+        <dsp:cNvSpPr/>
+      </dsp:nvSpPr>
+      <dsp:spPr>
+        <a:xfrm>
+          <a:off x="0" y="194188"/>
+          <a:ext cx="2686458" cy="1611875"/>
+        </a:xfrm>
+        <a:prstGeom prst="rect">
+          <a:avLst/>
+        </a:prstGeom>
+        <a:solidFill>
+          <a:schemeClr val="accent1">
+            <a:hueOff val="0"/>
+            <a:satOff val="0"/>
+            <a:lumOff val="0"/>
+            <a:alphaOff val="0"/>
+          </a:schemeClr>
+        </a:solidFill>
+        <a:ln w="19050" cap="rnd" cmpd="sng" algn="ctr">
+          <a:solidFill>
+            <a:schemeClr val="lt1">
+              <a:hueOff val="0"/>
+              <a:satOff val="0"/>
+              <a:lumOff val="0"/>
+              <a:alphaOff val="0"/>
+            </a:schemeClr>
+          </a:solidFill>
+          <a:prstDash val="solid"/>
+        </a:ln>
+        <a:effectLst/>
+      </dsp:spPr>
+      <dsp:style>
+        <a:lnRef idx="2">
+          <a:scrgbClr r="0" g="0" b="0"/>
+        </a:lnRef>
+        <a:fillRef idx="1">
+          <a:scrgbClr r="0" g="0" b="0"/>
+        </a:fillRef>
+        <a:effectRef idx="0">
+          <a:scrgbClr r="0" g="0" b="0"/>
+        </a:effectRef>
+        <a:fontRef idx="minor">
+          <a:schemeClr val="lt1"/>
+        </a:fontRef>
+      </dsp:style>
+      <dsp:txBody>
+        <a:bodyPr spcFirstLastPara="0" vert="horz" wrap="square" lIns="118110" tIns="118110" rIns="118110" bIns="118110" numCol="1" spcCol="1270" anchor="ctr" anchorCtr="0">
+          <a:noAutofit/>
+        </a:bodyPr>
+        <a:lstStyle/>
+        <a:p>
+          <a:pPr marL="0" lvl="0" indent="0" algn="ctr" defTabSz="1377950">
+            <a:lnSpc>
+              <a:spcPct val="90000"/>
+            </a:lnSpc>
+            <a:spcBef>
+              <a:spcPct val="0"/>
+            </a:spcBef>
+            <a:spcAft>
+              <a:spcPct val="35000"/>
+            </a:spcAft>
+            <a:buNone/>
+          </a:pPr>
+          <a:r>
+            <a:rPr lang="de-DE" sz="3100" kern="1200"/>
+            <a:t>Pros/Cons Hugo</a:t>
+          </a:r>
+          <a:endParaRPr lang="en-US" sz="3100" kern="1200"/>
+        </a:p>
+      </dsp:txBody>
+      <dsp:txXfrm>
+        <a:off x="0" y="194188"/>
+        <a:ext cx="2686458" cy="1611875"/>
+      </dsp:txXfrm>
+    </dsp:sp>
+    <dsp:sp modelId="{3BE189C5-3FA2-49F0-B39E-3806AE4EEB19}">
+      <dsp:nvSpPr>
+        <dsp:cNvPr id="0" name=""/>
+        <dsp:cNvSpPr/>
+      </dsp:nvSpPr>
+      <dsp:spPr>
+        <a:xfrm>
+          <a:off x="2955104" y="194188"/>
+          <a:ext cx="2686458" cy="1611875"/>
+        </a:xfrm>
+        <a:prstGeom prst="rect">
+          <a:avLst/>
+        </a:prstGeom>
+        <a:solidFill>
+          <a:schemeClr val="accent1">
+            <a:hueOff val="0"/>
+            <a:satOff val="0"/>
+            <a:lumOff val="0"/>
+            <a:alphaOff val="0"/>
+          </a:schemeClr>
+        </a:solidFill>
+        <a:ln w="19050" cap="rnd" cmpd="sng" algn="ctr">
+          <a:solidFill>
+            <a:schemeClr val="lt1">
+              <a:hueOff val="0"/>
+              <a:satOff val="0"/>
+              <a:lumOff val="0"/>
+              <a:alphaOff val="0"/>
+            </a:schemeClr>
+          </a:solidFill>
+          <a:prstDash val="solid"/>
+        </a:ln>
+        <a:effectLst/>
+      </dsp:spPr>
+      <dsp:style>
+        <a:lnRef idx="2">
+          <a:scrgbClr r="0" g="0" b="0"/>
+        </a:lnRef>
+        <a:fillRef idx="1">
+          <a:scrgbClr r="0" g="0" b="0"/>
+        </a:fillRef>
+        <a:effectRef idx="0">
+          <a:scrgbClr r="0" g="0" b="0"/>
+        </a:effectRef>
+        <a:fontRef idx="minor">
+          <a:schemeClr val="lt1"/>
+        </a:fontRef>
+      </dsp:style>
+      <dsp:txBody>
+        <a:bodyPr spcFirstLastPara="0" vert="horz" wrap="square" lIns="118110" tIns="118110" rIns="118110" bIns="118110" numCol="1" spcCol="1270" anchor="ctr" anchorCtr="0">
+          <a:noAutofit/>
+        </a:bodyPr>
+        <a:lstStyle/>
+        <a:p>
+          <a:pPr marL="0" lvl="0" indent="0" algn="ctr" defTabSz="1377950">
+            <a:lnSpc>
+              <a:spcPct val="90000"/>
+            </a:lnSpc>
+            <a:spcBef>
+              <a:spcPct val="0"/>
+            </a:spcBef>
+            <a:spcAft>
+              <a:spcPct val="35000"/>
+            </a:spcAft>
+            <a:buNone/>
+          </a:pPr>
+          <a:r>
+            <a:rPr lang="de-DE" sz="3100" kern="1200"/>
+            <a:t>Hugo Installation</a:t>
+          </a:r>
+          <a:endParaRPr lang="en-US" sz="3100" kern="1200"/>
+        </a:p>
+      </dsp:txBody>
+      <dsp:txXfrm>
+        <a:off x="2955104" y="194188"/>
+        <a:ext cx="2686458" cy="1611875"/>
+      </dsp:txXfrm>
+    </dsp:sp>
+    <dsp:sp modelId="{84EFB06C-46CE-4039-B07A-F23B7511527C}">
+      <dsp:nvSpPr>
+        <dsp:cNvPr id="0" name=""/>
+        <dsp:cNvSpPr/>
+      </dsp:nvSpPr>
+      <dsp:spPr>
+        <a:xfrm>
+          <a:off x="5910209" y="194188"/>
+          <a:ext cx="2686458" cy="1611875"/>
+        </a:xfrm>
+        <a:prstGeom prst="rect">
+          <a:avLst/>
+        </a:prstGeom>
+        <a:solidFill>
+          <a:schemeClr val="accent1">
+            <a:hueOff val="0"/>
+            <a:satOff val="0"/>
+            <a:lumOff val="0"/>
+            <a:alphaOff val="0"/>
+          </a:schemeClr>
+        </a:solidFill>
+        <a:ln w="19050" cap="rnd" cmpd="sng" algn="ctr">
+          <a:solidFill>
+            <a:schemeClr val="lt1">
+              <a:hueOff val="0"/>
+              <a:satOff val="0"/>
+              <a:lumOff val="0"/>
+              <a:alphaOff val="0"/>
+            </a:schemeClr>
+          </a:solidFill>
+          <a:prstDash val="solid"/>
+        </a:ln>
+        <a:effectLst/>
+      </dsp:spPr>
+      <dsp:style>
+        <a:lnRef idx="2">
+          <a:scrgbClr r="0" g="0" b="0"/>
+        </a:lnRef>
+        <a:fillRef idx="1">
+          <a:scrgbClr r="0" g="0" b="0"/>
+        </a:fillRef>
+        <a:effectRef idx="0">
+          <a:scrgbClr r="0" g="0" b="0"/>
+        </a:effectRef>
+        <a:fontRef idx="minor">
+          <a:schemeClr val="lt1"/>
+        </a:fontRef>
+      </dsp:style>
+      <dsp:txBody>
+        <a:bodyPr spcFirstLastPara="0" vert="horz" wrap="square" lIns="118110" tIns="118110" rIns="118110" bIns="118110" numCol="1" spcCol="1270" anchor="ctr" anchorCtr="0">
+          <a:noAutofit/>
+        </a:bodyPr>
+        <a:lstStyle/>
+        <a:p>
+          <a:pPr marL="0" lvl="0" indent="0" algn="ctr" defTabSz="1377950">
+            <a:lnSpc>
+              <a:spcPct val="90000"/>
+            </a:lnSpc>
+            <a:spcBef>
+              <a:spcPct val="0"/>
+            </a:spcBef>
+            <a:spcAft>
+              <a:spcPct val="35000"/>
+            </a:spcAft>
+            <a:buNone/>
+          </a:pPr>
+          <a:r>
+            <a:rPr lang="de-DE" sz="3100" kern="1200"/>
+            <a:t>Hugo Themes</a:t>
+          </a:r>
+          <a:endParaRPr lang="en-US" sz="3100" kern="1200"/>
+        </a:p>
+      </dsp:txBody>
+      <dsp:txXfrm>
+        <a:off x="5910209" y="194188"/>
+        <a:ext cx="2686458" cy="1611875"/>
+      </dsp:txXfrm>
+    </dsp:sp>
+    <dsp:sp modelId="{815B36F6-A200-48BA-A60B-7DD14526F711}">
+      <dsp:nvSpPr>
+        <dsp:cNvPr id="0" name=""/>
+        <dsp:cNvSpPr/>
+      </dsp:nvSpPr>
+      <dsp:spPr>
+        <a:xfrm>
+          <a:off x="1477552" y="2074709"/>
+          <a:ext cx="2686458" cy="1611875"/>
+        </a:xfrm>
+        <a:prstGeom prst="rect">
+          <a:avLst/>
+        </a:prstGeom>
+        <a:solidFill>
+          <a:schemeClr val="accent1">
+            <a:hueOff val="0"/>
+            <a:satOff val="0"/>
+            <a:lumOff val="0"/>
+            <a:alphaOff val="0"/>
+          </a:schemeClr>
+        </a:solidFill>
+        <a:ln w="19050" cap="rnd" cmpd="sng" algn="ctr">
+          <a:solidFill>
+            <a:schemeClr val="lt1">
+              <a:hueOff val="0"/>
+              <a:satOff val="0"/>
+              <a:lumOff val="0"/>
+              <a:alphaOff val="0"/>
+            </a:schemeClr>
+          </a:solidFill>
+          <a:prstDash val="solid"/>
+        </a:ln>
+        <a:effectLst/>
+      </dsp:spPr>
+      <dsp:style>
+        <a:lnRef idx="2">
+          <a:scrgbClr r="0" g="0" b="0"/>
+        </a:lnRef>
+        <a:fillRef idx="1">
+          <a:scrgbClr r="0" g="0" b="0"/>
+        </a:fillRef>
+        <a:effectRef idx="0">
+          <a:scrgbClr r="0" g="0" b="0"/>
+        </a:effectRef>
+        <a:fontRef idx="minor">
+          <a:schemeClr val="lt1"/>
+        </a:fontRef>
+      </dsp:style>
+      <dsp:txBody>
+        <a:bodyPr spcFirstLastPara="0" vert="horz" wrap="square" lIns="118110" tIns="118110" rIns="118110" bIns="118110" numCol="1" spcCol="1270" anchor="ctr" anchorCtr="0">
+          <a:noAutofit/>
+        </a:bodyPr>
+        <a:lstStyle/>
+        <a:p>
+          <a:pPr marL="0" lvl="0" indent="0" algn="ctr" defTabSz="1377950">
+            <a:lnSpc>
+              <a:spcPct val="90000"/>
+            </a:lnSpc>
+            <a:spcBef>
+              <a:spcPct val="0"/>
+            </a:spcBef>
+            <a:spcAft>
+              <a:spcPct val="35000"/>
+            </a:spcAft>
+            <a:buNone/>
+          </a:pPr>
+          <a:r>
+            <a:rPr lang="de-DE" sz="3100" kern="1200"/>
+            <a:t>Durchführung</a:t>
+          </a:r>
+          <a:endParaRPr lang="en-US" sz="3100" kern="1200"/>
+        </a:p>
+      </dsp:txBody>
+      <dsp:txXfrm>
+        <a:off x="1477552" y="2074709"/>
+        <a:ext cx="2686458" cy="1611875"/>
+      </dsp:txXfrm>
+    </dsp:sp>
+    <dsp:sp modelId="{8F2213B5-90EA-41B7-BF45-D45D3033440A}">
+      <dsp:nvSpPr>
+        <dsp:cNvPr id="0" name=""/>
+        <dsp:cNvSpPr/>
+      </dsp:nvSpPr>
+      <dsp:spPr>
+        <a:xfrm>
+          <a:off x="4432656" y="2074709"/>
+          <a:ext cx="2686458" cy="1611875"/>
+        </a:xfrm>
+        <a:prstGeom prst="rect">
+          <a:avLst/>
+        </a:prstGeom>
+        <a:solidFill>
+          <a:schemeClr val="accent1">
+            <a:hueOff val="0"/>
+            <a:satOff val="0"/>
+            <a:lumOff val="0"/>
+            <a:alphaOff val="0"/>
+          </a:schemeClr>
+        </a:solidFill>
+        <a:ln w="19050" cap="rnd" cmpd="sng" algn="ctr">
+          <a:solidFill>
+            <a:schemeClr val="lt1">
+              <a:hueOff val="0"/>
+              <a:satOff val="0"/>
+              <a:lumOff val="0"/>
+              <a:alphaOff val="0"/>
+            </a:schemeClr>
+          </a:solidFill>
+          <a:prstDash val="solid"/>
+        </a:ln>
+        <a:effectLst/>
+      </dsp:spPr>
+      <dsp:style>
+        <a:lnRef idx="2">
+          <a:scrgbClr r="0" g="0" b="0"/>
+        </a:lnRef>
+        <a:fillRef idx="1">
+          <a:scrgbClr r="0" g="0" b="0"/>
+        </a:fillRef>
+        <a:effectRef idx="0">
+          <a:scrgbClr r="0" g="0" b="0"/>
+        </a:effectRef>
+        <a:fontRef idx="minor">
+          <a:schemeClr val="lt1"/>
+        </a:fontRef>
+      </dsp:style>
+      <dsp:txBody>
+        <a:bodyPr spcFirstLastPara="0" vert="horz" wrap="square" lIns="118110" tIns="118110" rIns="118110" bIns="118110" numCol="1" spcCol="1270" anchor="ctr" anchorCtr="0">
+          <a:noAutofit/>
+        </a:bodyPr>
+        <a:lstStyle/>
+        <a:p>
+          <a:pPr marL="0" lvl="0" indent="0" algn="ctr" defTabSz="1377950">
+            <a:lnSpc>
+              <a:spcPct val="90000"/>
+            </a:lnSpc>
+            <a:spcBef>
+              <a:spcPct val="0"/>
+            </a:spcBef>
+            <a:spcAft>
+              <a:spcPct val="35000"/>
+            </a:spcAft>
+            <a:buNone/>
+          </a:pPr>
+          <a:r>
+            <a:rPr lang="de-DE" sz="3100" kern="1200"/>
+            <a:t>Deployment Github Pages</a:t>
+          </a:r>
+          <a:endParaRPr lang="en-US" sz="3100" kern="1200"/>
+        </a:p>
+      </dsp:txBody>
+      <dsp:txXfrm>
+        <a:off x="4432656" y="2074709"/>
+        <a:ext cx="2686458" cy="1611875"/>
+      </dsp:txXfrm>
+    </dsp:sp>
+  </dsp:spTree>
+</dsp:drawing>
+</file>
+
+<file path=ppt/diagrams/layout1.xml><?xml version="1.0" encoding="utf-8"?>
+<dgm:layoutDef xmlns:dgm="http://schemas.openxmlformats.org/drawingml/2006/diagram" xmlns:a="http://schemas.openxmlformats.org/drawingml/2006/main" uniqueId="urn:microsoft.com/office/officeart/2005/8/layout/default">
+  <dgm:title val=""/>
+  <dgm:desc val=""/>
+  <dgm:catLst>
+    <dgm:cat type="list" pri="400"/>
+  </dgm:catLst>
+  <dgm:sampData>
+    <dgm:dataModel>
+      <dgm:ptLst>
+        <dgm:pt modelId="0" type="doc"/>
+        <dgm:pt modelId="1">
+          <dgm:prSet phldr="1"/>
+        </dgm:pt>
+        <dgm:pt modelId="2">
+          <dgm:prSet phldr="1"/>
+        </dgm:pt>
+        <dgm:pt modelId="3">
+          <dgm:prSet phldr="1"/>
+        </dgm:pt>
+        <dgm:pt modelId="4">
+          <dgm:prSet phldr="1"/>
+        </dgm:pt>
+        <dgm:pt modelId="5">
+          <dgm:prSet phldr="1"/>
+        </dgm:pt>
+      </dgm:ptLst>
+      <dgm:cxnLst>
+        <dgm:cxn modelId="6" srcId="0" destId="1" srcOrd="0" destOrd="0"/>
+        <dgm:cxn modelId="7" srcId="0" destId="2" srcOrd="1" destOrd="0"/>
+        <dgm:cxn modelId="8" srcId="0" destId="3" srcOrd="2" destOrd="0"/>
+        <dgm:cxn modelId="9" srcId="0" destId="4" srcOrd="3" destOrd="0"/>
+        <dgm:cxn modelId="10" srcId="0" destId="5" srcOrd="4" destOrd="0"/>
+      </dgm:cxnLst>
+      <dgm:bg/>
+      <dgm:whole/>
+    </dgm:dataModel>
+  </dgm:sampData>
+  <dgm:styleData>
+    <dgm:dataModel>
+      <dgm:ptLst>
+        <dgm:pt modelId="0" type="doc"/>
+        <dgm:pt modelId="1"/>
+        <dgm:pt modelId="2"/>
+      </dgm:ptLst>
+      <dgm:cxnLst>
+        <dgm:cxn modelId="3" srcId="0" destId="1" srcOrd="0" destOrd="0"/>
+        <dgm:cxn modelId="4" srcId="0" destId="2" srcOrd="1" destOrd="0"/>
+      </dgm:cxnLst>
+      <dgm:bg/>
+      <dgm:whole/>
+    </dgm:dataModel>
+  </dgm:styleData>
+  <dgm:clrData>
+    <dgm:dataModel>
+      <dgm:ptLst>
+        <dgm:pt modelId="0" type="doc"/>
+        <dgm:pt modelId="1"/>
+        <dgm:pt modelId="2"/>
+        <dgm:pt modelId="3"/>
+        <dgm:pt modelId="4"/>
+        <dgm:pt modelId="5"/>
+        <dgm:pt modelId="6"/>
+      </dgm:ptLst>
+      <dgm:cxnLst>
+        <dgm:cxn modelId="7" srcId="0" destId="1" srcOrd="0" destOrd="0"/>
+        <dgm:cxn modelId="8" srcId="0" destId="2" srcOrd="1" destOrd="0"/>
+        <dgm:cxn modelId="9" srcId="0" destId="3" srcOrd="2" destOrd="0"/>
+        <dgm:cxn modelId="10" srcId="0" destId="4" srcOrd="3" destOrd="0"/>
+        <dgm:cxn modelId="11" srcId="0" destId="5" srcOrd="4" destOrd="0"/>
+        <dgm:cxn modelId="12" srcId="0" destId="6" srcOrd="5" destOrd="0"/>
+      </dgm:cxnLst>
+      <dgm:bg/>
+      <dgm:whole/>
+    </dgm:dataModel>
+  </dgm:clrData>
+  <dgm:layoutNode name="diagram">
+    <dgm:varLst>
+      <dgm:dir/>
+      <dgm:resizeHandles val="exact"/>
+    </dgm:varLst>
+    <dgm:choose name="Name0">
+      <dgm:if name="Name1" func="var" arg="dir" op="equ" val="norm">
+        <dgm:alg type="snake">
+          <dgm:param type="grDir" val="tL"/>
+          <dgm:param type="flowDir" val="row"/>
+          <dgm:param type="contDir" val="sameDir"/>
+          <dgm:param type="off" val="ctr"/>
+        </dgm:alg>
+      </dgm:if>
+      <dgm:else name="Name2">
+        <dgm:alg type="snake">
+          <dgm:param type="grDir" val="tR"/>
+          <dgm:param type="flowDir" val="row"/>
+          <dgm:param type="contDir" val="sameDir"/>
+          <dgm:param type="off" val="ctr"/>
+        </dgm:alg>
+      </dgm:else>
+    </dgm:choose>
+    <dgm:shape xmlns:r="http://schemas.openxmlformats.org/officeDocument/2006/relationships" r:blip="">
+      <dgm:adjLst/>
+    </dgm:shape>
+    <dgm:presOf/>
+    <dgm:constrLst>
+      <dgm:constr type="w" for="ch" forName="node" refType="w"/>
+      <dgm:constr type="h" for="ch" forName="node" refType="w" refFor="ch" refForName="node" fact="0.6"/>
+      <dgm:constr type="w" for="ch" forName="sibTrans" refType="w" refFor="ch" refForName="node" fact="0.1"/>
+      <dgm:constr type="sp" refType="w" refFor="ch" refForName="sibTrans"/>
+      <dgm:constr type="primFontSz" for="ch" forName="node" op="equ" val="65"/>
+    </dgm:constrLst>
+    <dgm:ruleLst/>
+    <dgm:forEach name="Name3" axis="ch" ptType="node">
+      <dgm:layoutNode name="node">
+        <dgm:varLst>
+          <dgm:bulletEnabled val="1"/>
+        </dgm:varLst>
+        <dgm:alg type="tx"/>
+        <dgm:shape xmlns:r="http://schemas.openxmlformats.org/officeDocument/2006/relationships" type="rect" r:blip="">
+          <dgm:adjLst/>
+        </dgm:shape>
+        <dgm:presOf axis="desOrSelf" ptType="node"/>
+        <dgm:constrLst>
+          <dgm:constr type="lMarg" refType="primFontSz" fact="0.3"/>
+          <dgm:constr type="rMarg" refType="primFontSz" fact="0.3"/>
+          <dgm:constr type="tMarg" refType="primFontSz" fact="0.3"/>
+          <dgm:constr type="bMarg" refType="primFontSz" fact="0.3"/>
+        </dgm:constrLst>
+        <dgm:ruleLst>
+          <dgm:rule type="primFontSz" val="5" fact="NaN" max="NaN"/>
+        </dgm:ruleLst>
+      </dgm:layoutNode>
+      <dgm:forEach name="Name4" axis="followSib" ptType="sibTrans" cnt="1">
+        <dgm:layoutNode name="sibTrans">
+          <dgm:alg type="sp"/>
+          <dgm:shape xmlns:r="http://schemas.openxmlformats.org/officeDocument/2006/relationships" r:blip="">
+            <dgm:adjLst/>
+          </dgm:shape>
+          <dgm:presOf/>
+          <dgm:constrLst/>
+          <dgm:ruleLst/>
+        </dgm:layoutNode>
+      </dgm:forEach>
+    </dgm:forEach>
+  </dgm:layoutNode>
+</dgm:layoutDef>
+</file>
+
+<file path=ppt/diagrams/quickStyle1.xml><?xml version="1.0" encoding="utf-8"?>
+<dgm:styleDef xmlns:dgm="http://schemas.openxmlformats.org/drawingml/2006/diagram" xmlns:a="http://schemas.openxmlformats.org/drawingml/2006/main" uniqueId="urn:microsoft.com/office/officeart/2005/8/quickstyle/simple1">
+  <dgm:title val=""/>
+  <dgm:desc val=""/>
+  <dgm:catLst>
+    <dgm:cat type="simple" pri="10100"/>
+  </dgm:catLst>
+  <dgm:scene3d>
+    <a:camera prst="orthographicFront"/>
+    <a:lightRig rig="threePt" dir="t"/>
+  </dgm:scene3d>
+  <dgm:styleLbl name="node0">
+    <dgm:scene3d>
+      <a:camera prst="orthographicFront"/>
+      <a:lightRig rig="threePt" dir="t"/>
+    </dgm:scene3d>
+    <dgm:sp3d/>
+    <dgm:txPr/>
+    <dgm:style>
+      <a:lnRef idx="2">
+        <a:scrgbClr r="0" g="0" b="0"/>
+      </a:lnRef>
+      <a:fillRef idx="1">
+        <a:scrgbClr r="0" g="0" b="0"/>
+      </a:fillRef>
+      <a:effectRef idx="0">
+        <a:scrgbClr r="0" g="0" b="0"/>
+      </a:effectRef>
+      <a:fontRef idx="minor">
+        <a:schemeClr val="lt1"/>
+      </a:fontRef>
+    </dgm:style>
+  </dgm:styleLbl>
+  <dgm:styleLbl name="lnNode1">
+    <dgm:scene3d>
+      <a:camera prst="orthographicFront"/>
+      <a:lightRig rig="threePt" dir="t"/>
+    </dgm:scene3d>
+    <dgm:sp3d/>
+    <dgm:txPr/>
+    <dgm:style>
+      <a:lnRef idx="2">
+        <a:scrgbClr r="0" g="0" b="0"/>
+      </a:lnRef>
+      <a:fillRef idx="1">
+        <a:scrgbClr r="0" g="0" b="0"/>
+      </a:fillRef>
+      <a:effectRef idx="0">
+        <a:scrgbClr r="0" g="0" b="0"/>
+      </a:effectRef>
+      <a:fontRef idx="minor">
+        <a:schemeClr val="lt1"/>
+      </a:fontRef>
+    </dgm:style>
+  </dgm:styleLbl>
+  <dgm:styleLbl name="vennNode1">
+    <dgm:scene3d>
+      <a:camera prst="orthographicFront"/>
+      <a:lightRig rig="threePt" dir="t"/>
+    </dgm:scene3d>
+    <dgm:sp3d/>
+    <dgm:txPr/>
+    <dgm:style>
+      <a:lnRef idx="2">
+        <a:scrgbClr r="0" g="0" b="0"/>
+      </a:lnRef>
+      <a:fillRef idx="1">
+        <a:scrgbClr r="0" g="0" b="0"/>
+      </a:fillRef>
+      <a:effectRef idx="0">
+        <a:scrgbClr r="0" g="0" b="0"/>
+      </a:effectRef>
+      <a:fontRef idx="minor">
+        <a:schemeClr val="tx1"/>
+      </a:fontRef>
+    </dgm:style>
+  </dgm:styleLbl>
+  <dgm:styleLbl name="alignNode1">
+    <dgm:scene3d>
+      <a:camera prst="orthographicFront"/>
+      <a:lightRig rig="threePt" dir="t"/>
+    </dgm:scene3d>
+    <dgm:sp3d/>
+    <dgm:txPr/>
+    <dgm:style>
+      <a:lnRef idx="2">
+        <a:scrgbClr r="0" g="0" b="0"/>
+      </a:lnRef>
+      <a:fillRef idx="1">
+        <a:scrgbClr r="0" g="0" b="0"/>
+      </a:fillRef>
+      <a:effectRef idx="0">
+        <a:scrgbClr r="0" g="0" b="0"/>
+      </a:effectRef>
+      <a:fontRef idx="minor">
+        <a:schemeClr val="lt1"/>
+      </a:fontRef>
+    </dgm:style>
+  </dgm:styleLbl>
+  <dgm:styleLbl name="node1">
+    <dgm:scene3d>
+      <a:camera prst="orthographicFront"/>
+      <a:lightRig rig="threePt" dir="t"/>
+    </dgm:scene3d>
+    <dgm:sp3d/>
+    <dgm:txPr/>
+    <dgm:style>
+      <a:lnRef idx="2">
+        <a:scrgbClr r="0" g="0" b="0"/>
+      </a:lnRef>
+      <a:fillRef idx="1">
+        <a:scrgbClr r="0" g="0" b="0"/>
+      </a:fillRef>
+      <a:effectRef idx="0">
+        <a:scrgbClr r="0" g="0" b="0"/>
+      </a:effectRef>
+      <a:fontRef idx="minor">
+        <a:schemeClr val="lt1"/>
+      </a:fontRef>
+    </dgm:style>
+  </dgm:styleLbl>
+  <dgm:styleLbl name="node2">
+    <dgm:scene3d>
+      <a:camera prst="orthographicFront"/>
+      <a:lightRig rig="threePt" dir="t"/>
+    </dgm:scene3d>
+    <dgm:sp3d/>
+    <dgm:txPr/>
+    <dgm:style>
+      <a:lnRef idx="2">
+        <a:scrgbClr r="0" g="0" b="0"/>
+      </a:lnRef>
+      <a:fillRef idx="1">
+        <a:scrgbClr r="0" g="0" b="0"/>
+      </a:fillRef>
+      <a:effectRef idx="0">
+        <a:scrgbClr r="0" g="0" b="0"/>
+      </a:effectRef>
+      <a:fontRef idx="minor">
+        <a:schemeClr val="lt1"/>
+      </a:fontRef>
+    </dgm:style>
+  </dgm:styleLbl>
+  <dgm:styleLbl name="node3">
+    <dgm:scene3d>
+      <a:camera prst="orthographicFront"/>
+      <a:lightRig rig="threePt" dir="t"/>
+    </dgm:scene3d>
+    <dgm:sp3d/>
+    <dgm:txPr/>
+    <dgm:style>
+      <a:lnRef idx="2">
+        <a:scrgbClr r="0" g="0" b="0"/>
+      </a:lnRef>
+      <a:fillRef idx="1">
+        <a:scrgbClr r="0" g="0" b="0"/>
+      </a:fillRef>
+      <a:effectRef idx="0">
+        <a:scrgbClr r="0" g="0" b="0"/>
+      </a:effectRef>
+      <a:fontRef idx="minor">
+        <a:schemeClr val="lt1"/>
+      </a:fontRef>
+    </dgm:style>
+  </dgm:styleLbl>
+  <dgm:styleLbl name="node4">
+    <dgm:scene3d>
+      <a:camera prst="orthographicFront"/>
+      <a:lightRig rig="threePt" dir="t"/>
+    </dgm:scene3d>
+    <dgm:sp3d/>
+    <dgm:txPr/>
+    <dgm:style>
+      <a:lnRef idx="2">
+        <a:scrgbClr r="0" g="0" b="0"/>
+      </a:lnRef>
+      <a:fillRef idx="1">
+        <a:scrgbClr r="0" g="0" b="0"/>
+      </a:fillRef>
+      <a:effectRef idx="0">
+        <a:scrgbClr r="0" g="0" b="0"/>
+      </a:effectRef>
+      <a:fontRef idx="minor">
+        <a:schemeClr val="lt1"/>
+      </a:fontRef>
+    </dgm:style>
+  </dgm:styleLbl>
+  <dgm:styleLbl name="fgImgPlace1">
+    <dgm:scene3d>
+      <a:camera prst="orthographicFront"/>
+      <a:lightRig rig="threePt" dir="t"/>
+    </dgm:scene3d>
+    <dgm:sp3d/>
+    <dgm:txPr/>
+    <dgm:style>
+      <a:lnRef idx="2">
+        <a:scrgbClr r="0" g="0" b="0"/>
+      </a:lnRef>
+      <a:fillRef idx="1">
+        <a:scrgbClr r="0" g="0" b="0"/>
+      </a:fillRef>
+      <a:effectRef idx="0">
+        <a:scrgbClr r="0" g="0" b="0"/>
+      </a:effectRef>
+      <a:fontRef idx="minor"/>
+    </dgm:style>
+  </dgm:styleLbl>
+  <dgm:styleLbl name="alignImgPlace1">
+    <dgm:scene3d>
+      <a:camera prst="orthographicFront"/>
+      <a:lightRig rig="threePt" dir="t"/>
+    </dgm:scene3d>
+    <dgm:sp3d/>
+    <dgm:txPr/>
+    <dgm:style>
+      <a:lnRef idx="2">
+        <a:scrgbClr r="0" g="0" b="0"/>
+      </a:lnRef>
+      <a:fillRef idx="1">
+        <a:scrgbClr r="0" g="0" b="0"/>
+      </a:fillRef>
+      <a:effectRef idx="0">
+        <a:scrgbClr r="0" g="0" b="0"/>
+      </a:effectRef>
+      <a:fontRef idx="minor"/>
+    </dgm:style>
+  </dgm:styleLbl>
+  <dgm:styleLbl name="bgImgPlace1">
+    <dgm:scene3d>
+      <a:camera prst="orthographicFront"/>
+      <a:lightRig rig="threePt" dir="t"/>
+    </dgm:scene3d>
+    <dgm:sp3d/>
+    <dgm:txPr/>
+    <dgm:style>
+      <a:lnRef idx="2">
+        <a:scrgbClr r="0" g="0" b="0"/>
+      </a:lnRef>
+      <a:fillRef idx="1">
+        <a:scrgbClr r="0" g="0" b="0"/>
+      </a:fillRef>
+      <a:effectRef idx="0">
+        <a:scrgbClr r="0" g="0" b="0"/>
+      </a:effectRef>
+      <a:fontRef idx="minor"/>
+    </dgm:style>
+  </dgm:styleLbl>
+  <dgm:styleLbl name="sibTrans2D1">
+    <dgm:scene3d>
+      <a:camera prst="orthographicFront"/>
+      <a:lightRig rig="threePt" dir="t"/>
+    </dgm:scene3d>
+    <dgm:sp3d/>
+    <dgm:txPr/>
+    <dgm:style>
+      <a:lnRef idx="0">
+        <a:scrgbClr r="0" g="0" b="0"/>
+      </a:lnRef>
+      <a:fillRef idx="1">
+        <a:scrgbClr r="0" g="0" b="0"/>
+      </a:fillRef>
+      <a:effectRef idx="0">
+        <a:scrgbClr r="0" g="0" b="0"/>
+      </a:effectRef>
+      <a:fontRef idx="minor">
+        <a:schemeClr val="lt1"/>
+      </a:fontRef>
+    </dgm:style>
+  </dgm:styleLbl>
+  <dgm:styleLbl name="fgSibTrans2D1">
+    <dgm:scene3d>
+      <a:camera prst="orthographicFront"/>
+      <a:lightRig rig="threePt" dir="t"/>
+    </dgm:scene3d>
+    <dgm:sp3d/>
+    <dgm:txPr/>
+    <dgm:style>
+      <a:lnRef idx="0">
+        <a:scrgbClr r="0" g="0" b="0"/>
+      </a:lnRef>
+      <a:fillRef idx="1">
+        <a:scrgbClr r="0" g="0" b="0"/>
+      </a:fillRef>
+      <a:effectRef idx="0">
+        <a:scrgbClr r="0" g="0" b="0"/>
+      </a:effectRef>
+      <a:fontRef idx="minor">
+        <a:schemeClr val="lt1"/>
+      </a:fontRef>
+    </dgm:style>
+  </dgm:styleLbl>
+  <dgm:styleLbl name="bgSibTrans2D1">
+    <dgm:scene3d>
+      <a:camera prst="orthographicFront"/>
+      <a:lightRig rig="threePt" dir="t"/>
+    </dgm:scene3d>
+    <dgm:sp3d/>
+    <dgm:txPr/>
+    <dgm:style>
+      <a:lnRef idx="0">
+        <a:scrgbClr r="0" g="0" b="0"/>
+      </a:lnRef>
+      <a:fillRef idx="1">
+        <a:scrgbClr r="0" g="0" b="0"/>
+      </a:fillRef>
+      <a:effectRef idx="0">
+        <a:scrgbClr r="0" g="0" b="0"/>
+      </a:effectRef>
+      <a:fontRef idx="minor">
+        <a:schemeClr val="lt1"/>
+      </a:fontRef>
+    </dgm:style>
+  </dgm:styleLbl>
+  <dgm:styleLbl name="sibTrans1D1">
+    <dgm:scene3d>
+      <a:camera prst="orthographicFront"/>
+      <a:lightRig rig="threePt" dir="t"/>
+    </dgm:scene3d>
+    <dgm:sp3d/>
+    <dgm:txPr/>
+    <dgm:style>
+      <a:lnRef idx="1">
+        <a:scrgbClr r="0" g="0" b="0"/>
+      </a:lnRef>
+      <a:fillRef idx="0">
+        <a:scrgbClr r="0" g="0" b="0"/>
+      </a:fillRef>
+      <a:effectRef idx="0">
+        <a:scrgbClr r="0" g="0" b="0"/>
+      </a:effectRef>
+      <a:fontRef idx="minor"/>
+    </dgm:style>
+  </dgm:styleLbl>
+  <dgm:styleLbl name="callout">
+    <dgm:scene3d>
+      <a:camera prst="orthographicFront"/>
+      <a:lightRig rig="threePt" dir="t"/>
+    </dgm:scene3d>
+    <dgm:sp3d/>
+    <dgm:txPr/>
+    <dgm:style>
+      <a:lnRef idx="2">
+        <a:scrgbClr r="0" g="0" b="0"/>
+      </a:lnRef>
+      <a:fillRef idx="1">
+        <a:scrgbClr r="0" g="0" b="0"/>
+      </a:fillRef>
+      <a:effectRef idx="0">
+        <a:scrgbClr r="0" g="0" b="0"/>
+      </a:effectRef>
+      <a:fontRef idx="minor"/>
+    </dgm:style>
+  </dgm:styleLbl>
+  <dgm:styleLbl name="asst0">
+    <dgm:scene3d>
+      <a:camera prst="orthographicFront"/>
+      <a:lightRig rig="threePt" dir="t"/>
+    </dgm:scene3d>
+    <dgm:sp3d/>
+    <dgm:txPr/>
+    <dgm:style>
+      <a:lnRef idx="2">
+        <a:scrgbClr r="0" g="0" b="0"/>
+      </a:lnRef>
+      <a:fillRef idx="1">
+        <a:scrgbClr r="0" g="0" b="0"/>
+      </a:fillRef>
+      <a:effectRef idx="0">
+        <a:scrgbClr r="0" g="0" b="0"/>
+      </a:effectRef>
+      <a:fontRef idx="minor">
+        <a:schemeClr val="lt1"/>
+      </a:fontRef>
+    </dgm:style>
+  </dgm:styleLbl>
+  <dgm:styleLbl name="asst1">
+    <dgm:scene3d>
+      <a:camera prst="orthographicFront"/>
+      <a:lightRig rig="threePt" dir="t"/>
+    </dgm:scene3d>
+    <dgm:sp3d/>
+    <dgm:txPr/>
+    <dgm:style>
+      <a:lnRef idx="2">
+        <a:scrgbClr r="0" g="0" b="0"/>
+      </a:lnRef>
+      <a:fillRef idx="1">
+        <a:scrgbClr r="0" g="0" b="0"/>
+      </a:fillRef>
+      <a:effectRef idx="0">
+        <a:scrgbClr r="0" g="0" b="0"/>
+      </a:effectRef>
+      <a:fontRef idx="minor">
+        <a:schemeClr val="lt1"/>
+      </a:fontRef>
+    </dgm:style>
+  </dgm:styleLbl>
+  <dgm:styleLbl name="asst2">
+    <dgm:scene3d>
+      <a:camera prst="orthographicFront"/>
+      <a:lightRig rig="threePt" dir="t"/>
+    </dgm:scene3d>
+    <dgm:sp3d/>
+    <dgm:txPr/>
+    <dgm:style>
+      <a:lnRef idx="2">
+        <a:scrgbClr r="0" g="0" b="0"/>
+      </a:lnRef>
+      <a:fillRef idx="1">
+        <a:scrgbClr r="0" g="0" b="0"/>
+      </a:fillRef>
+      <a:effectRef idx="0">
+        <a:scrgbClr r="0" g="0" b="0"/>
+      </a:effectRef>
+      <a:fontRef idx="minor">
+        <a:schemeClr val="lt1"/>
+      </a:fontRef>
+    </dgm:style>
+  </dgm:styleLbl>
+  <dgm:styleLbl name="asst3">
+    <dgm:scene3d>
+      <a:camera prst="orthographicFront"/>
+      <a:lightRig rig="threePt" dir="t"/>
+    </dgm:scene3d>
+    <dgm:sp3d/>
+    <dgm:txPr/>
+    <dgm:style>
+      <a:lnRef idx="2">
+        <a:scrgbClr r="0" g="0" b="0"/>
+      </a:lnRef>
+      <a:fillRef idx="1">
+        <a:scrgbClr r="0" g="0" b="0"/>
+      </a:fillRef>
+      <a:effectRef idx="0">
+        <a:scrgbClr r="0" g="0" b="0"/>
+      </a:effectRef>
+      <a:fontRef idx="minor">
+        <a:schemeClr val="lt1"/>
+      </a:fontRef>
+    </dgm:style>
+  </dgm:styleLbl>
+  <dgm:styleLbl name="asst4">
+    <dgm:scene3d>
+      <a:camera prst="orthographicFront"/>
+      <a:lightRig rig="threePt" dir="t"/>
+    </dgm:scene3d>
+    <dgm:sp3d/>
+    <dgm:txPr/>
+    <dgm:style>
+      <a:lnRef idx="2">
+        <a:scrgbClr r="0" g="0" b="0"/>
+      </a:lnRef>
+      <a:fillRef idx="1">
+        <a:scrgbClr r="0" g="0" b="0"/>
+      </a:fillRef>
+      <a:effectRef idx="0">
+        <a:scrgbClr r="0" g="0" b="0"/>
+      </a:effectRef>
+      <a:fontRef idx="minor">
+        <a:schemeClr val="lt1"/>
+      </a:fontRef>
+    </dgm:style>
+  </dgm:styleLbl>
+  <dgm:styleLbl name="parChTrans2D1">
+    <dgm:scene3d>
+      <a:camera prst="orthographicFront"/>
+      <a:lightRig rig="threePt" dir="t"/>
+    </dgm:scene3d>
+    <dgm:sp3d/>
+    <dgm:txPr/>
+    <dgm:style>
+      <a:lnRef idx="2">
+        <a:scrgbClr r="0" g="0" b="0"/>
+      </a:lnRef>
+      <a:fillRef idx="1">
+        <a:scrgbClr r="0" g="0" b="0"/>
+      </a:fillRef>
+      <a:effectRef idx="0">
+        <a:scrgbClr r="0" g="0" b="0"/>
+      </a:effectRef>
+      <a:fontRef idx="minor">
+        <a:schemeClr val="lt1"/>
+      </a:fontRef>
+    </dgm:style>
+  </dgm:styleLbl>
+  <dgm:styleLbl name="parChTrans2D2">
+    <dgm:scene3d>
+      <a:camera prst="orthographicFront"/>
+      <a:lightRig rig="threePt" dir="t"/>
+    </dgm:scene3d>
+    <dgm:sp3d/>
+    <dgm:txPr/>
+    <dgm:style>
+      <a:lnRef idx="2">
+        <a:scrgbClr r="0" g="0" b="0"/>
+      </a:lnRef>
+      <a:fillRef idx="1">
+        <a:scrgbClr r="0" g="0" b="0"/>
+      </a:fillRef>
+      <a:effectRef idx="0">
+        <a:scrgbClr r="0" g="0" b="0"/>
+      </a:effectRef>
+      <a:fontRef idx="minor">
+        <a:schemeClr val="lt1"/>
+      </a:fontRef>
+    </dgm:style>
+  </dgm:styleLbl>
+  <dgm:styleLbl name="parChTrans2D3">
+    <dgm:scene3d>
+      <a:camera prst="orthographicFront"/>
+      <a:lightRig rig="threePt" dir="t"/>
+    </dgm:scene3d>
+    <dgm:sp3d/>
+    <dgm:txPr/>
+    <dgm:style>
+      <a:lnRef idx="2">
+        <a:scrgbClr r="0" g="0" b="0"/>
+      </a:lnRef>
+      <a:fillRef idx="1">
+        <a:scrgbClr r="0" g="0" b="0"/>
+      </a:fillRef>
+      <a:effectRef idx="0">
+        <a:scrgbClr r="0" g="0" b="0"/>
+      </a:effectRef>
+      <a:fontRef idx="minor">
+        <a:schemeClr val="lt1"/>
+      </a:fontRef>
+    </dgm:style>
+  </dgm:styleLbl>
+  <dgm:styleLbl name="parChTrans2D4">
+    <dgm:scene3d>
+      <a:camera prst="orthographicFront"/>
+      <a:lightRig rig="threePt" dir="t"/>
+    </dgm:scene3d>
+    <dgm:sp3d/>
+    <dgm:txPr/>
+    <dgm:style>
+      <a:lnRef idx="2">
+        <a:scrgbClr r="0" g="0" b="0"/>
+      </a:lnRef>
+      <a:fillRef idx="1">
+        <a:scrgbClr r="0" g="0" b="0"/>
+      </a:fillRef>
+      <a:effectRef idx="0">
+        <a:scrgbClr r="0" g="0" b="0"/>
+      </a:effectRef>
+      <a:fontRef idx="minor">
+        <a:schemeClr val="lt1"/>
+      </a:fontRef>
+    </dgm:style>
+  </dgm:styleLbl>
+  <dgm:styleLbl name="parChTrans1D1">
+    <dgm:scene3d>
+      <a:camera prst="orthographicFront"/>
+      <a:lightRig rig="threePt" dir="t"/>
+    </dgm:scene3d>
+    <dgm:sp3d/>
+    <dgm:txPr/>
+    <dgm:style>
+      <a:lnRef idx="2">
+        <a:scrgbClr r="0" g="0" b="0"/>
+      </a:lnRef>
+      <a:fillRef idx="0">
+        <a:scrgbClr r="0" g="0" b="0"/>
+      </a:fillRef>
+      <a:effectRef idx="0">
+        <a:scrgbClr r="0" g="0" b="0"/>
+      </a:effectRef>
+      <a:fontRef idx="minor"/>
+    </dgm:style>
+  </dgm:styleLbl>
+  <dgm:styleLbl name="parChTrans1D2">
+    <dgm:scene3d>
+      <a:camera prst="orthographicFront"/>
+      <a:lightRig rig="threePt" dir="t"/>
+    </dgm:scene3d>
+    <dgm:sp3d/>
+    <dgm:txPr/>
+    <dgm:style>
+      <a:lnRef idx="2">
+        <a:scrgbClr r="0" g="0" b="0"/>
+      </a:lnRef>
+      <a:fillRef idx="0">
+        <a:scrgbClr r="0" g="0" b="0"/>
+      </a:fillRef>
+      <a:effectRef idx="0">
+        <a:scrgbClr r="0" g="0" b="0"/>
+      </a:effectRef>
+      <a:fontRef idx="minor"/>
+    </dgm:style>
+  </dgm:styleLbl>
+  <dgm:styleLbl name="parChTrans1D3">
+    <dgm:scene3d>
+      <a:camera prst="orthographicFront"/>
+      <a:lightRig rig="threePt" dir="t"/>
+    </dgm:scene3d>
+    <dgm:sp3d/>
+    <dgm:txPr/>
+    <dgm:style>
+      <a:lnRef idx="2">
+        <a:scrgbClr r="0" g="0" b="0"/>
+      </a:lnRef>
+      <a:fillRef idx="0">
+        <a:scrgbClr r="0" g="0" b="0"/>
+      </a:fillRef>
+      <a:effectRef idx="0">
+        <a:scrgbClr r="0" g="0" b="0"/>
+      </a:effectRef>
+      <a:fontRef idx="minor"/>
+    </dgm:style>
+  </dgm:styleLbl>
+  <dgm:styleLbl name="parChTrans1D4">
+    <dgm:scene3d>
+      <a:camera prst="orthographicFront"/>
+      <a:lightRig rig="threePt" dir="t"/>
+    </dgm:scene3d>
+    <dgm:sp3d/>
+    <dgm:txPr/>
+    <dgm:style>
+      <a:lnRef idx="2">
+        <a:scrgbClr r="0" g="0" b="0"/>
+      </a:lnRef>
+      <a:fillRef idx="0">
+        <a:scrgbClr r="0" g="0" b="0"/>
+      </a:fillRef>
+      <a:effectRef idx="0">
+        <a:scrgbClr r="0" g="0" b="0"/>
+      </a:effectRef>
+      <a:fontRef idx="minor"/>
+    </dgm:style>
+  </dgm:styleLbl>
+  <dgm:styleLbl name="fgAcc1">
+    <dgm:scene3d>
+      <a:camera prst="orthographicFront"/>
+      <a:lightRig rig="threePt" dir="t"/>
+    </dgm:scene3d>
+    <dgm:sp3d/>
+    <dgm:txPr/>
+    <dgm:style>
+      <a:lnRef idx="2">
+        <a:scrgbClr r="0" g="0" b="0"/>
+      </a:lnRef>
+      <a:fillRef idx="1">
+        <a:scrgbClr r="0" g="0" b="0"/>
+      </a:fillRef>
+      <a:effectRef idx="0">
+        <a:scrgbClr r="0" g="0" b="0"/>
+      </a:effectRef>
+      <a:fontRef idx="minor"/>
+    </dgm:style>
+  </dgm:styleLbl>
+  <dgm:styleLbl name="conFgAcc1">
+    <dgm:scene3d>
+      <a:camera prst="orthographicFront"/>
+      <a:lightRig rig="threePt" dir="t"/>
+    </dgm:scene3d>
+    <dgm:sp3d/>
+    <dgm:txPr/>
+    <dgm:style>
+      <a:lnRef idx="2">
+        <a:scrgbClr r="0" g="0" b="0"/>
+      </a:lnRef>
+      <a:fillRef idx="1">
+        <a:scrgbClr r="0" g="0" b="0"/>
+      </a:fillRef>
+      <a:effectRef idx="0">
+        <a:scrgbClr r="0" g="0" b="0"/>
+      </a:effectRef>
+      <a:fontRef idx="minor"/>
+    </dgm:style>
+  </dgm:styleLbl>
+  <dgm:styleLbl name="alignAcc1">
+    <dgm:scene3d>
+      <a:camera prst="orthographicFront"/>
+      <a:lightRig rig="threePt" dir="t"/>
+    </dgm:scene3d>
+    <dgm:sp3d/>
+    <dgm:txPr/>
+    <dgm:style>
+      <a:lnRef idx="2">
+        <a:scrgbClr r="0" g="0" b="0"/>
+      </a:lnRef>
+      <a:fillRef idx="1">
+        <a:scrgbClr r="0" g="0" b="0"/>
+      </a:fillRef>
+      <a:effectRef idx="0">
+        <a:scrgbClr r="0" g="0" b="0"/>
+      </a:effectRef>
+      <a:fontRef idx="minor"/>
+    </dgm:style>
+  </dgm:styleLbl>
+  <dgm:styleLbl name="trAlignAcc1">
+    <dgm:scene3d>
+      <a:camera prst="orthographicFront"/>
+      <a:lightRig rig="threePt" dir="t"/>
+    </dgm:scene3d>
+    <dgm:sp3d/>
+    <dgm:txPr/>
+    <dgm:style>
+      <a:lnRef idx="1">
+        <a:scrgbClr r="0" g="0" b="0"/>
+      </a:lnRef>
+      <a:fillRef idx="1">
+        <a:scrgbClr r="0" g="0" b="0"/>
+      </a:fillRef>
+      <a:effectRef idx="0">
+        <a:scrgbClr r="0" g="0" b="0"/>
+      </a:effectRef>
+      <a:fontRef idx="minor"/>
+    </dgm:style>
+  </dgm:styleLbl>
+  <dgm:styleLbl name="bgAcc1">
+    <dgm:scene3d>
+      <a:camera prst="orthographicFront"/>
+      <a:lightRig rig="threePt" dir="t"/>
+    </dgm:scene3d>
+    <dgm:sp3d/>
+    <dgm:txPr/>
+    <dgm:style>
+      <a:lnRef idx="2">
+        <a:scrgbClr r="0" g="0" b="0"/>
+      </a:lnRef>
+      <a:fillRef idx="1">
+        <a:scrgbClr r="0" g="0" b="0"/>
+      </a:fillRef>
+      <a:effectRef idx="0">
+        <a:scrgbClr r="0" g="0" b="0"/>
+      </a:effectRef>
+      <a:fontRef idx="minor"/>
+    </dgm:style>
+  </dgm:styleLbl>
+  <dgm:styleLbl name="solidFgAcc1">
+    <dgm:scene3d>
+      <a:camera prst="orthographicFront"/>
+      <a:lightRig rig="threePt" dir="t"/>
+    </dgm:scene3d>
+    <dgm:sp3d/>
+    <dgm:txPr/>
+    <dgm:style>
+      <a:lnRef idx="2">
+        <a:scrgbClr r="0" g="0" b="0"/>
+      </a:lnRef>
+      <a:fillRef idx="1">
+        <a:scrgbClr r="0" g="0" b="0"/>
+      </a:fillRef>
+      <a:effectRef idx="0">
+        <a:scrgbClr r="0" g="0" b="0"/>
+      </a:effectRef>
+      <a:fontRef idx="minor"/>
+    </dgm:style>
+  </dgm:styleLbl>
+  <dgm:styleLbl name="solidAlignAcc1">
+    <dgm:scene3d>
+      <a:camera prst="orthographicFront"/>
+      <a:lightRig rig="threePt" dir="t"/>
+    </dgm:scene3d>
+    <dgm:sp3d/>
+    <dgm:txPr/>
+    <dgm:style>
+      <a:lnRef idx="2">
+        <a:scrgbClr r="0" g="0" b="0"/>
+      </a:lnRef>
+      <a:fillRef idx="1">
+        <a:scrgbClr r="0" g="0" b="0"/>
+      </a:fillRef>
+      <a:effectRef idx="0">
+        <a:scrgbClr r="0" g="0" b="0"/>
+      </a:effectRef>
+      <a:fontRef idx="minor"/>
+    </dgm:style>
+  </dgm:styleLbl>
+  <dgm:styleLbl name="solidBgAcc1">
+    <dgm:scene3d>
+      <a:camera prst="orthographicFront"/>
+      <a:lightRig rig="threePt" dir="t"/>
+    </dgm:scene3d>
+    <dgm:sp3d/>
+    <dgm:txPr/>
+    <dgm:style>
+      <a:lnRef idx="2">
+        <a:scrgbClr r="0" g="0" b="0"/>
+      </a:lnRef>
+      <a:fillRef idx="1">
+        <a:scrgbClr r="0" g="0" b="0"/>
+      </a:fillRef>
+      <a:effectRef idx="0">
+        <a:scrgbClr r="0" g="0" b="0"/>
+      </a:effectRef>
+      <a:fontRef idx="minor"/>
+    </dgm:style>
+  </dgm:styleLbl>
+  <dgm:styleLbl name="fgAccFollowNode1">
+    <dgm:scene3d>
+      <a:camera prst="orthographicFront"/>
+      <a:lightRig rig="threePt" dir="t"/>
+    </dgm:scene3d>
+    <dgm:sp3d/>
+    <dgm:txPr/>
+    <dgm:style>
+      <a:lnRef idx="2">
+        <a:scrgbClr r="0" g="0" b="0"/>
+      </a:lnRef>
+      <a:fillRef idx="1">
+        <a:scrgbClr r="0" g="0" b="0"/>
+      </a:fillRef>
+      <a:effectRef idx="0">
+        <a:scrgbClr r="0" g="0" b="0"/>
+      </a:effectRef>
+      <a:fontRef idx="minor"/>
+    </dgm:style>
+  </dgm:styleLbl>
+  <dgm:styleLbl name="alignAccFollowNode1">
+    <dgm:scene3d>
+      <a:camera prst="orthographicFront"/>
+      <a:lightRig rig="threePt" dir="t"/>
+    </dgm:scene3d>
+    <dgm:sp3d/>
+    <dgm:txPr/>
+    <dgm:style>
+      <a:lnRef idx="2">
+        <a:scrgbClr r="0" g="0" b="0"/>
+      </a:lnRef>
+      <a:fillRef idx="1">
+        <a:scrgbClr r="0" g="0" b="0"/>
+      </a:fillRef>
+      <a:effectRef idx="0">
+        <a:scrgbClr r="0" g="0" b="0"/>
+      </a:effectRef>
+      <a:fontRef idx="minor"/>
+    </dgm:style>
+  </dgm:styleLbl>
+  <dgm:styleLbl name="bgAccFollowNode1">
+    <dgm:scene3d>
+      <a:camera prst="orthographicFront"/>
+      <a:lightRig rig="threePt" dir="t"/>
+    </dgm:scene3d>
+    <dgm:sp3d/>
+    <dgm:txPr/>
+    <dgm:style>
+      <a:lnRef idx="2">
+        <a:scrgbClr r="0" g="0" b="0"/>
+      </a:lnRef>
+      <a:fillRef idx="1">
+        <a:scrgbClr r="0" g="0" b="0"/>
+      </a:fillRef>
+      <a:effectRef idx="0">
+        <a:scrgbClr r="0" g="0" b="0"/>
+      </a:effectRef>
+      <a:fontRef idx="minor"/>
+    </dgm:style>
+  </dgm:styleLbl>
+  <dgm:styleLbl name="fgAcc0">
+    <dgm:scene3d>
+      <a:camera prst="orthographicFront"/>
+      <a:lightRig rig="threePt" dir="t"/>
+    </dgm:scene3d>
+    <dgm:sp3d/>
+    <dgm:txPr/>
+    <dgm:style>
+      <a:lnRef idx="2">
+        <a:scrgbClr r="0" g="0" b="0"/>
+      </a:lnRef>
+      <a:fillRef idx="1">
+        <a:scrgbClr r="0" g="0" b="0"/>
+      </a:fillRef>
+      <a:effectRef idx="0">
+        <a:scrgbClr r="0" g="0" b="0"/>
+      </a:effectRef>
+      <a:fontRef idx="minor"/>
+    </dgm:style>
+  </dgm:styleLbl>
+  <dgm:styleLbl name="fgAcc2">
+    <dgm:scene3d>
+      <a:camera prst="orthographicFront"/>
+      <a:lightRig rig="threePt" dir="t"/>
+    </dgm:scene3d>
+    <dgm:sp3d/>
+    <dgm:txPr/>
+    <dgm:style>
+      <a:lnRef idx="2">
+        <a:scrgbClr r="0" g="0" b="0"/>
+      </a:lnRef>
+      <a:fillRef idx="1">
+        <a:scrgbClr r="0" g="0" b="0"/>
+      </a:fillRef>
+      <a:effectRef idx="0">
+        <a:scrgbClr r="0" g="0" b="0"/>
+      </a:effectRef>
+      <a:fontRef idx="minor"/>
+    </dgm:style>
+  </dgm:styleLbl>
+  <dgm:styleLbl name="fgAcc3">
+    <dgm:scene3d>
+      <a:camera prst="orthographicFront"/>
+      <a:lightRig rig="threePt" dir="t"/>
+    </dgm:scene3d>
+    <dgm:sp3d/>
+    <dgm:txPr/>
+    <dgm:style>
+      <a:lnRef idx="2">
+        <a:scrgbClr r="0" g="0" b="0"/>
+      </a:lnRef>
+      <a:fillRef idx="1">
+        <a:scrgbClr r="0" g="0" b="0"/>
+      </a:fillRef>
+      <a:effectRef idx="0">
+        <a:scrgbClr r="0" g="0" b="0"/>
+      </a:effectRef>
+      <a:fontRef idx="minor"/>
+    </dgm:style>
+  </dgm:styleLbl>
+  <dgm:styleLbl name="fgAcc4">
+    <dgm:scene3d>
+      <a:camera prst="orthographicFront"/>
+      <a:lightRig rig="threePt" dir="t"/>
+    </dgm:scene3d>
+    <dgm:sp3d/>
+    <dgm:txPr/>
+    <dgm:style>
+      <a:lnRef idx="2">
+        <a:scrgbClr r="0" g="0" b="0"/>
+      </a:lnRef>
+      <a:fillRef idx="1">
+        <a:scrgbClr r="0" g="0" b="0"/>
+      </a:fillRef>
+      <a:effectRef idx="0">
+        <a:scrgbClr r="0" g="0" b="0"/>
+      </a:effectRef>
+      <a:fontRef idx="minor"/>
+    </dgm:style>
+  </dgm:styleLbl>
+  <dgm:styleLbl name="bgShp">
+    <dgm:scene3d>
+      <a:camera prst="orthographicFront"/>
+      <a:lightRig rig="threePt" dir="t"/>
+    </dgm:scene3d>
+    <dgm:sp3d/>
+    <dgm:txPr/>
+    <dgm:style>
+      <a:lnRef idx="0">
+        <a:scrgbClr r="0" g="0" b="0"/>
+      </a:lnRef>
+      <a:fillRef idx="1">
+        <a:scrgbClr r="0" g="0" b="0"/>
+      </a:fillRef>
+      <a:effectRef idx="0">
+        <a:scrgbClr r="0" g="0" b="0"/>
+      </a:effectRef>
+      <a:fontRef idx="minor"/>
+    </dgm:style>
+  </dgm:styleLbl>
+  <dgm:styleLbl name="dkBgShp">
+    <dgm:scene3d>
+      <a:camera prst="orthographicFront"/>
+      <a:lightRig rig="threePt" dir="t"/>
+    </dgm:scene3d>
+    <dgm:sp3d/>
+    <dgm:txPr/>
+    <dgm:style>
+      <a:lnRef idx="0">
+        <a:scrgbClr r="0" g="0" b="0"/>
+      </a:lnRef>
+      <a:fillRef idx="1">
+        <a:scrgbClr r="0" g="0" b="0"/>
+      </a:fillRef>
+      <a:effectRef idx="0">
+        <a:scrgbClr r="0" g="0" b="0"/>
+      </a:effectRef>
+      <a:fontRef idx="minor"/>
+    </dgm:style>
+  </dgm:styleLbl>
+  <dgm:styleLbl name="trBgShp">
+    <dgm:scene3d>
+      <a:camera prst="orthographicFront"/>
+      <a:lightRig rig="threePt" dir="t"/>
+    </dgm:scene3d>
+    <dgm:sp3d/>
+    <dgm:txPr/>
+    <dgm:style>
+      <a:lnRef idx="0">
+        <a:scrgbClr r="0" g="0" b="0"/>
+      </a:lnRef>
+      <a:fillRef idx="1">
+        <a:scrgbClr r="0" g="0" b="0"/>
+      </a:fillRef>
+      <a:effectRef idx="0">
+        <a:scrgbClr r="0" g="0" b="0"/>
+      </a:effectRef>
+      <a:fontRef idx="minor"/>
+    </dgm:style>
+  </dgm:styleLbl>
+  <dgm:styleLbl name="fgShp">
+    <dgm:scene3d>
+      <a:camera prst="orthographicFront"/>
+      <a:lightRig rig="threePt" dir="t"/>
+    </dgm:scene3d>
+    <dgm:sp3d/>
+    <dgm:txPr/>
+    <dgm:style>
+      <a:lnRef idx="2">
+        <a:scrgbClr r="0" g="0" b="0"/>
+      </a:lnRef>
+      <a:fillRef idx="1">
+        <a:scrgbClr r="0" g="0" b="0"/>
+      </a:fillRef>
+      <a:effectRef idx="0">
+        <a:scrgbClr r="0" g="0" b="0"/>
+      </a:effectRef>
+      <a:fontRef idx="minor"/>
+    </dgm:style>
+  </dgm:styleLbl>
+  <dgm:styleLbl name="revTx">
+    <dgm:scene3d>
+      <a:camera prst="orthographicFront"/>
+      <a:lightRig rig="threePt" dir="t"/>
+    </dgm:scene3d>
+    <dgm:sp3d/>
+    <dgm:txPr/>
+    <dgm:style>
+      <a:lnRef idx="0">
+        <a:scrgbClr r="0" g="0" b="0"/>
+      </a:lnRef>
+      <a:fillRef idx="0">
+        <a:scrgbClr r="0" g="0" b="0"/>
+      </a:fillRef>
+      <a:effectRef idx="0">
+        <a:scrgbClr r="0" g="0" b="0"/>
+      </a:effectRef>
+      <a:fontRef idx="minor"/>
+    </dgm:style>
+  </dgm:styleLbl>
+</dgm:styleDef>
 </file>
 
 <file path=ppt/slideLayouts/slideLayout1.xml><?xml version="1.0" encoding="utf-8"?>
@@ -6343,6 +9017,95 @@
           <p:cNvPr id="2" name="Title 1">
             <a:extLst>
               <a:ext uri="{FF2B5EF4-FFF2-40B4-BE49-F238E27FC236}">
+                <a16:creationId xmlns:a16="http://schemas.microsoft.com/office/drawing/2014/main" id="{1C1C42A7-380C-5FC0-4D1F-A46DA3A4BA5B}"/>
+              </a:ext>
+            </a:extLst>
+          </p:cNvPr>
+          <p:cNvSpPr>
+            <a:spLocks noGrp="1"/>
+          </p:cNvSpPr>
+          <p:nvPr>
+            <p:ph type="title"/>
+          </p:nvPr>
+        </p:nvSpPr>
+        <p:spPr/>
+        <p:txBody>
+          <a:bodyPr/>
+          <a:lstStyle/>
+          <a:p>
+            <a:r>
+              <a:rPr lang="de-DE" dirty="0"/>
+              <a:t>Inhaltsangabe</a:t>
+            </a:r>
+          </a:p>
+        </p:txBody>
+      </p:sp>
+      <p:graphicFrame>
+        <p:nvGraphicFramePr>
+          <p:cNvPr id="5" name="Content Placeholder 2">
+            <a:extLst>
+              <a:ext uri="{FF2B5EF4-FFF2-40B4-BE49-F238E27FC236}">
+                <a16:creationId xmlns:a16="http://schemas.microsoft.com/office/drawing/2014/main" id="{045AB428-080F-FB52-7DAB-42D5328CA00C}"/>
+              </a:ext>
+            </a:extLst>
+          </p:cNvPr>
+          <p:cNvGraphicFramePr>
+            <a:graphicFrameLocks noGrp="1"/>
+          </p:cNvGraphicFramePr>
+          <p:nvPr>
+            <p:ph idx="1"/>
+            <p:extLst>
+              <p:ext uri="{D42A27DB-BD31-4B8C-83A1-F6EECF244321}">
+                <p14:modId xmlns:p14="http://schemas.microsoft.com/office/powerpoint/2010/main" val="3838296573"/>
+              </p:ext>
+            </p:extLst>
+          </p:nvPr>
+        </p:nvGraphicFramePr>
+        <p:xfrm>
+          <a:off x="677334" y="2160589"/>
+          <a:ext cx="8596668" cy="3880773"/>
+        </p:xfrm>
+        <a:graphic>
+          <a:graphicData uri="http://schemas.openxmlformats.org/drawingml/2006/diagram">
+            <dgm:relIds xmlns:dgm="http://schemas.openxmlformats.org/drawingml/2006/diagram" xmlns:r="http://schemas.openxmlformats.org/officeDocument/2006/relationships" r:dm="rId2" r:lo="rId3" r:qs="rId4" r:cs="rId5"/>
+          </a:graphicData>
+        </a:graphic>
+      </p:graphicFrame>
+    </p:spTree>
+    <p:extLst>
+      <p:ext uri="{BB962C8B-B14F-4D97-AF65-F5344CB8AC3E}">
+        <p14:creationId xmlns:p14="http://schemas.microsoft.com/office/powerpoint/2010/main" val="302590323"/>
+      </p:ext>
+    </p:extLst>
+  </p:cSld>
+  <p:clrMapOvr>
+    <a:masterClrMapping/>
+  </p:clrMapOvr>
+</p:sld>
+</file>
+
+<file path=ppt/slides/slide3.xml><?xml version="1.0" encoding="utf-8"?>
+<p:sld xmlns:a="http://schemas.openxmlformats.org/drawingml/2006/main" xmlns:r="http://schemas.openxmlformats.org/officeDocument/2006/relationships" xmlns:p="http://schemas.openxmlformats.org/presentationml/2006/main">
+  <p:cSld>
+    <p:spTree>
+      <p:nvGrpSpPr>
+        <p:cNvPr id="1" name=""/>
+        <p:cNvGrpSpPr/>
+        <p:nvPr/>
+      </p:nvGrpSpPr>
+      <p:grpSpPr>
+        <a:xfrm>
+          <a:off x="0" y="0"/>
+          <a:ext cx="0" cy="0"/>
+          <a:chOff x="0" y="0"/>
+          <a:chExt cx="0" cy="0"/>
+        </a:xfrm>
+      </p:grpSpPr>
+      <p:sp>
+        <p:nvSpPr>
+          <p:cNvPr id="2" name="Title 1">
+            <a:extLst>
+              <a:ext uri="{FF2B5EF4-FFF2-40B4-BE49-F238E27FC236}">
                 <a16:creationId xmlns:a16="http://schemas.microsoft.com/office/drawing/2014/main" id="{40FFCC36-3F6F-68A2-9EF6-44C388C996E1}"/>
               </a:ext>
             </a:extLst>
@@ -6433,20 +9196,15 @@
             </a:r>
             <a:r>
               <a:rPr lang="de-DE" dirty="0" err="1"/>
-              <a:t>Deployement</a:t>
+              <a:t>Deployment</a:t>
             </a:r>
             <a:endParaRPr lang="de-DE" dirty="0"/>
           </a:p>
           <a:p>
             <a:r>
               <a:rPr lang="de-DE" dirty="0"/>
-              <a:t>Anpassbarkeit &amp; </a:t>
-            </a:r>
-            <a:r>
-              <a:rPr lang="de-DE" dirty="0" err="1"/>
-              <a:t>flexiblität</a:t>
-            </a:r>
-            <a:endParaRPr lang="de-DE" dirty="0"/>
+              <a:t>Anpassbarkeit &amp; Flexibilität</a:t>
+            </a:r>
           </a:p>
           <a:p>
             <a:r>
@@ -6464,10 +9222,9 @@
           </a:p>
           <a:p>
             <a:r>
-              <a:rPr lang="de-DE" dirty="0" err="1"/>
-              <a:t>Documentation</a:t>
-            </a:r>
-            <a:endParaRPr lang="de-DE" dirty="0"/>
+              <a:rPr lang="de-DE" dirty="0"/>
+              <a:t>Dokumentation</a:t>
+            </a:r>
           </a:p>
           <a:p>
             <a:endParaRPr lang="de-DE" dirty="0"/>
@@ -6615,7 +9372,7 @@
 </p:sld>
 </file>
 
-<file path=ppt/slides/slide3.xml><?xml version="1.0" encoding="utf-8"?>
+<file path=ppt/slides/slide4.xml><?xml version="1.0" encoding="utf-8"?>
 <p:sld xmlns:a="http://schemas.openxmlformats.org/drawingml/2006/main" xmlns:r="http://schemas.openxmlformats.org/officeDocument/2006/relationships" xmlns:p="http://schemas.openxmlformats.org/presentationml/2006/main">
   <p:cSld>
     <p:spTree>
@@ -6762,7 +9519,7 @@
 </p:sld>
 </file>
 
-<file path=ppt/slides/slide4.xml><?xml version="1.0" encoding="utf-8"?>
+<file path=ppt/slides/slide5.xml><?xml version="1.0" encoding="utf-8"?>
 <p:sld xmlns:a="http://schemas.openxmlformats.org/drawingml/2006/main" xmlns:r="http://schemas.openxmlformats.org/officeDocument/2006/relationships" xmlns:p="http://schemas.openxmlformats.org/presentationml/2006/main">
   <p:cSld>
     <p:spTree>
@@ -6909,143 +9666,6 @@
 </p:sld>
 </file>
 
-<file path=ppt/slides/slide5.xml><?xml version="1.0" encoding="utf-8"?>
-<p:sld xmlns:a="http://schemas.openxmlformats.org/drawingml/2006/main" xmlns:r="http://schemas.openxmlformats.org/officeDocument/2006/relationships" xmlns:p="http://schemas.openxmlformats.org/presentationml/2006/main">
-  <p:cSld>
-    <p:spTree>
-      <p:nvGrpSpPr>
-        <p:cNvPr id="1" name=""/>
-        <p:cNvGrpSpPr/>
-        <p:nvPr/>
-      </p:nvGrpSpPr>
-      <p:grpSpPr>
-        <a:xfrm>
-          <a:off x="0" y="0"/>
-          <a:ext cx="0" cy="0"/>
-          <a:chOff x="0" y="0"/>
-          <a:chExt cx="0" cy="0"/>
-        </a:xfrm>
-      </p:grpSpPr>
-      <p:sp>
-        <p:nvSpPr>
-          <p:cNvPr id="2" name="Title 1">
-            <a:extLst>
-              <a:ext uri="{FF2B5EF4-FFF2-40B4-BE49-F238E27FC236}">
-                <a16:creationId xmlns:a16="http://schemas.microsoft.com/office/drawing/2014/main" id="{2B7A60A0-ED70-FE56-ACD7-363ED7D0BE90}"/>
-              </a:ext>
-            </a:extLst>
-          </p:cNvPr>
-          <p:cNvSpPr>
-            <a:spLocks noGrp="1"/>
-          </p:cNvSpPr>
-          <p:nvPr>
-            <p:ph type="title"/>
-          </p:nvPr>
-        </p:nvSpPr>
-        <p:spPr/>
-        <p:txBody>
-          <a:bodyPr/>
-          <a:lstStyle/>
-          <a:p>
-            <a:r>
-              <a:rPr lang="de-DE" dirty="0"/>
-              <a:t>Durchführung</a:t>
-            </a:r>
-          </a:p>
-        </p:txBody>
-      </p:sp>
-      <p:sp>
-        <p:nvSpPr>
-          <p:cNvPr id="3" name="Content Placeholder 2">
-            <a:extLst>
-              <a:ext uri="{FF2B5EF4-FFF2-40B4-BE49-F238E27FC236}">
-                <a16:creationId xmlns:a16="http://schemas.microsoft.com/office/drawing/2014/main" id="{DDF9FDDA-0BC0-C026-8CC7-6AC751CB8D35}"/>
-              </a:ext>
-            </a:extLst>
-          </p:cNvPr>
-          <p:cNvSpPr>
-            <a:spLocks noGrp="1"/>
-          </p:cNvSpPr>
-          <p:nvPr>
-            <p:ph idx="1"/>
-          </p:nvPr>
-        </p:nvSpPr>
-        <p:spPr/>
-        <p:txBody>
-          <a:bodyPr/>
-          <a:lstStyle/>
-          <a:p>
-            <a:r>
-              <a:rPr lang="de-DE" dirty="0"/>
-              <a:t>Download von Vorlage</a:t>
-            </a:r>
-          </a:p>
-          <a:p>
-            <a:r>
-              <a:rPr lang="de-DE" dirty="0"/>
-              <a:t>Vorlage mit Daten versehen</a:t>
-            </a:r>
-          </a:p>
-          <a:p>
-            <a:r>
-              <a:rPr lang="de-DE" dirty="0"/>
-              <a:t>Bilder ändern</a:t>
-            </a:r>
-          </a:p>
-          <a:p>
-            <a:r>
-              <a:rPr lang="de-DE" dirty="0"/>
-              <a:t>Seite mithilfe eines Befehls bauen</a:t>
-            </a:r>
-          </a:p>
-          <a:p>
-            <a:r>
-              <a:rPr lang="de-DE" dirty="0" err="1"/>
-              <a:t>Github</a:t>
-            </a:r>
-            <a:r>
-              <a:rPr lang="de-DE" dirty="0"/>
-              <a:t> Actions </a:t>
-            </a:r>
-            <a:r>
-              <a:rPr lang="de-DE" dirty="0" err="1"/>
-              <a:t>yaml</a:t>
-            </a:r>
-            <a:r>
-              <a:rPr lang="de-DE" dirty="0"/>
-              <a:t>-Datei deployen.</a:t>
-            </a:r>
-          </a:p>
-          <a:p>
-            <a:r>
-              <a:rPr lang="de-DE" dirty="0"/>
-              <a:t>Mithilfe der Doku deployen</a:t>
-            </a:r>
-          </a:p>
-          <a:p>
-            <a:pPr marL="0" indent="0">
-              <a:buNone/>
-            </a:pPr>
-            <a:endParaRPr lang="de-DE" dirty="0"/>
-          </a:p>
-          <a:p>
-            <a:endParaRPr lang="de-DE" dirty="0"/>
-          </a:p>
-        </p:txBody>
-      </p:sp>
-    </p:spTree>
-    <p:extLst>
-      <p:ext uri="{BB962C8B-B14F-4D97-AF65-F5344CB8AC3E}">
-        <p14:creationId xmlns:p14="http://schemas.microsoft.com/office/powerpoint/2010/main" val="4005005456"/>
-      </p:ext>
-    </p:extLst>
-  </p:cSld>
-  <p:clrMapOvr>
-    <a:masterClrMapping/>
-  </p:clrMapOvr>
-</p:sld>
-</file>
-
 <file path=ppt/slides/slide6.xml><?xml version="1.0" encoding="utf-8"?>
 <p:sld xmlns:a="http://schemas.openxmlformats.org/drawingml/2006/main" xmlns:r="http://schemas.openxmlformats.org/officeDocument/2006/relationships" xmlns:p="http://schemas.openxmlformats.org/presentationml/2006/main">
   <p:cSld>
@@ -7068,6 +9688,143 @@
           <p:cNvPr id="2" name="Title 1">
             <a:extLst>
               <a:ext uri="{FF2B5EF4-FFF2-40B4-BE49-F238E27FC236}">
+                <a16:creationId xmlns:a16="http://schemas.microsoft.com/office/drawing/2014/main" id="{2B7A60A0-ED70-FE56-ACD7-363ED7D0BE90}"/>
+              </a:ext>
+            </a:extLst>
+          </p:cNvPr>
+          <p:cNvSpPr>
+            <a:spLocks noGrp="1"/>
+          </p:cNvSpPr>
+          <p:nvPr>
+            <p:ph type="title"/>
+          </p:nvPr>
+        </p:nvSpPr>
+        <p:spPr/>
+        <p:txBody>
+          <a:bodyPr/>
+          <a:lstStyle/>
+          <a:p>
+            <a:r>
+              <a:rPr lang="de-DE" dirty="0"/>
+              <a:t>Durchführung</a:t>
+            </a:r>
+          </a:p>
+        </p:txBody>
+      </p:sp>
+      <p:sp>
+        <p:nvSpPr>
+          <p:cNvPr id="3" name="Content Placeholder 2">
+            <a:extLst>
+              <a:ext uri="{FF2B5EF4-FFF2-40B4-BE49-F238E27FC236}">
+                <a16:creationId xmlns:a16="http://schemas.microsoft.com/office/drawing/2014/main" id="{DDF9FDDA-0BC0-C026-8CC7-6AC751CB8D35}"/>
+              </a:ext>
+            </a:extLst>
+          </p:cNvPr>
+          <p:cNvSpPr>
+            <a:spLocks noGrp="1"/>
+          </p:cNvSpPr>
+          <p:nvPr>
+            <p:ph idx="1"/>
+          </p:nvPr>
+        </p:nvSpPr>
+        <p:spPr/>
+        <p:txBody>
+          <a:bodyPr/>
+          <a:lstStyle/>
+          <a:p>
+            <a:r>
+              <a:rPr lang="de-DE" dirty="0"/>
+              <a:t>Download von Vorlage</a:t>
+            </a:r>
+          </a:p>
+          <a:p>
+            <a:r>
+              <a:rPr lang="de-DE" dirty="0"/>
+              <a:t>Vorlage mit Daten versehen</a:t>
+            </a:r>
+          </a:p>
+          <a:p>
+            <a:r>
+              <a:rPr lang="de-DE" dirty="0"/>
+              <a:t>Bilder ändern</a:t>
+            </a:r>
+          </a:p>
+          <a:p>
+            <a:r>
+              <a:rPr lang="de-DE" dirty="0"/>
+              <a:t>Seite mithilfe eines Befehls bauen</a:t>
+            </a:r>
+          </a:p>
+          <a:p>
+            <a:r>
+              <a:rPr lang="de-DE" dirty="0" err="1"/>
+              <a:t>Github</a:t>
+            </a:r>
+            <a:r>
+              <a:rPr lang="de-DE" dirty="0"/>
+              <a:t> Actions </a:t>
+            </a:r>
+            <a:r>
+              <a:rPr lang="de-DE" dirty="0" err="1"/>
+              <a:t>yaml</a:t>
+            </a:r>
+            <a:r>
+              <a:rPr lang="de-DE" dirty="0"/>
+              <a:t>-Datei deployen.</a:t>
+            </a:r>
+          </a:p>
+          <a:p>
+            <a:r>
+              <a:rPr lang="de-DE" dirty="0"/>
+              <a:t>Mithilfe der Doku deployen</a:t>
+            </a:r>
+          </a:p>
+          <a:p>
+            <a:pPr marL="0" indent="0">
+              <a:buNone/>
+            </a:pPr>
+            <a:endParaRPr lang="de-DE" dirty="0"/>
+          </a:p>
+          <a:p>
+            <a:endParaRPr lang="de-DE" dirty="0"/>
+          </a:p>
+        </p:txBody>
+      </p:sp>
+    </p:spTree>
+    <p:extLst>
+      <p:ext uri="{BB962C8B-B14F-4D97-AF65-F5344CB8AC3E}">
+        <p14:creationId xmlns:p14="http://schemas.microsoft.com/office/powerpoint/2010/main" val="4005005456"/>
+      </p:ext>
+    </p:extLst>
+  </p:cSld>
+  <p:clrMapOvr>
+    <a:masterClrMapping/>
+  </p:clrMapOvr>
+</p:sld>
+</file>
+
+<file path=ppt/slides/slide7.xml><?xml version="1.0" encoding="utf-8"?>
+<p:sld xmlns:a="http://schemas.openxmlformats.org/drawingml/2006/main" xmlns:r="http://schemas.openxmlformats.org/officeDocument/2006/relationships" xmlns:p="http://schemas.openxmlformats.org/presentationml/2006/main">
+  <p:cSld>
+    <p:spTree>
+      <p:nvGrpSpPr>
+        <p:cNvPr id="1" name=""/>
+        <p:cNvGrpSpPr/>
+        <p:nvPr/>
+      </p:nvGrpSpPr>
+      <p:grpSpPr>
+        <a:xfrm>
+          <a:off x="0" y="0"/>
+          <a:ext cx="0" cy="0"/>
+          <a:chOff x="0" y="0"/>
+          <a:chExt cx="0" cy="0"/>
+        </a:xfrm>
+      </p:grpSpPr>
+      <p:sp>
+        <p:nvSpPr>
+          <p:cNvPr id="2" name="Title 1">
+            <a:extLst>
+              <a:ext uri="{FF2B5EF4-FFF2-40B4-BE49-F238E27FC236}">
                 <a16:creationId xmlns:a16="http://schemas.microsoft.com/office/drawing/2014/main" id="{3A3F0F44-056C-4B4C-E310-B66A8760D41D}"/>
               </a:ext>
             </a:extLst>
@@ -7166,7 +9923,7 @@
 </p:sld>
 </file>
 
-<file path=ppt/slides/slide7.xml><?xml version="1.0" encoding="utf-8"?>
+<file path=ppt/slides/slide8.xml><?xml version="1.0" encoding="utf-8"?>
 <p:sld xmlns:a="http://schemas.openxmlformats.org/drawingml/2006/main" xmlns:r="http://schemas.openxmlformats.org/officeDocument/2006/relationships" xmlns:p="http://schemas.openxmlformats.org/presentationml/2006/main">
   <p:cSld>
     <p:bg>
